--- a/Webinar.pptx
+++ b/Webinar.pptx
@@ -18,6 +18,13 @@
     <p:sldId id="267" r:id="rId12"/>
     <p:sldId id="268" r:id="rId13"/>
     <p:sldId id="269" r:id="rId14"/>
+    <p:sldId id="271" r:id="rId15"/>
+    <p:sldId id="272" r:id="rId16"/>
+    <p:sldId id="270" r:id="rId17"/>
+    <p:sldId id="273" r:id="rId18"/>
+    <p:sldId id="274" r:id="rId19"/>
+    <p:sldId id="275" r:id="rId20"/>
+    <p:sldId id="276" r:id="rId21"/>
   </p:sldIdLst>
   <p:sldSz cx="12192000" cy="6858000"/>
   <p:notesSz cx="6858000" cy="9144000"/>
@@ -307,7 +314,7 @@
           <a:p>
             <a:fld id="{79E1C1AB-56A0-45EF-B181-CDDA2DAEED7E}" type="datetimeFigureOut">
               <a:rPr lang="en-US" smtClean="0"/>
-              <a:t>6/2/2020</a:t>
+              <a:t>6/3/2020</a:t>
             </a:fld>
             <a:endParaRPr lang="en-US"/>
           </a:p>
@@ -582,7 +589,7 @@
           <a:p>
             <a:fld id="{79E1C1AB-56A0-45EF-B181-CDDA2DAEED7E}" type="datetimeFigureOut">
               <a:rPr lang="en-US" smtClean="0"/>
-              <a:t>6/2/2020</a:t>
+              <a:t>6/3/2020</a:t>
             </a:fld>
             <a:endParaRPr lang="en-US"/>
           </a:p>
@@ -776,7 +783,7 @@
           <a:p>
             <a:fld id="{79E1C1AB-56A0-45EF-B181-CDDA2DAEED7E}" type="datetimeFigureOut">
               <a:rPr lang="en-US" smtClean="0"/>
-              <a:t>6/2/2020</a:t>
+              <a:t>6/3/2020</a:t>
             </a:fld>
             <a:endParaRPr lang="en-US"/>
           </a:p>
@@ -1044,7 +1051,7 @@
           <a:p>
             <a:fld id="{79E1C1AB-56A0-45EF-B181-CDDA2DAEED7E}" type="datetimeFigureOut">
               <a:rPr lang="en-US" smtClean="0"/>
-              <a:t>6/2/2020</a:t>
+              <a:t>6/3/2020</a:t>
             </a:fld>
             <a:endParaRPr lang="en-US"/>
           </a:p>
@@ -1376,7 +1383,7 @@
           <a:p>
             <a:fld id="{79E1C1AB-56A0-45EF-B181-CDDA2DAEED7E}" type="datetimeFigureOut">
               <a:rPr lang="en-US" smtClean="0"/>
-              <a:t>6/2/2020</a:t>
+              <a:t>6/3/2020</a:t>
             </a:fld>
             <a:endParaRPr lang="en-US"/>
           </a:p>
@@ -1986,7 +1993,7 @@
           <a:p>
             <a:fld id="{79E1C1AB-56A0-45EF-B181-CDDA2DAEED7E}" type="datetimeFigureOut">
               <a:rPr lang="en-US" smtClean="0"/>
-              <a:t>6/2/2020</a:t>
+              <a:t>6/3/2020</a:t>
             </a:fld>
             <a:endParaRPr lang="en-US"/>
           </a:p>
@@ -2833,7 +2840,7 @@
           <a:p>
             <a:fld id="{79E1C1AB-56A0-45EF-B181-CDDA2DAEED7E}" type="datetimeFigureOut">
               <a:rPr lang="en-US" smtClean="0"/>
-              <a:t>6/2/2020</a:t>
+              <a:t>6/3/2020</a:t>
             </a:fld>
             <a:endParaRPr lang="en-US"/>
           </a:p>
@@ -3003,7 +3010,7 @@
           <a:p>
             <a:fld id="{79E1C1AB-56A0-45EF-B181-CDDA2DAEED7E}" type="datetimeFigureOut">
               <a:rPr lang="en-US" smtClean="0"/>
-              <a:t>6/2/2020</a:t>
+              <a:t>6/3/2020</a:t>
             </a:fld>
             <a:endParaRPr lang="en-US"/>
           </a:p>
@@ -3183,7 +3190,7 @@
           <a:p>
             <a:fld id="{79E1C1AB-56A0-45EF-B181-CDDA2DAEED7E}" type="datetimeFigureOut">
               <a:rPr lang="en-US" smtClean="0"/>
-              <a:t>6/2/2020</a:t>
+              <a:t>6/3/2020</a:t>
             </a:fld>
             <a:endParaRPr lang="en-US"/>
           </a:p>
@@ -3353,7 +3360,7 @@
           <a:p>
             <a:fld id="{79E1C1AB-56A0-45EF-B181-CDDA2DAEED7E}" type="datetimeFigureOut">
               <a:rPr lang="en-US" smtClean="0"/>
-              <a:t>6/2/2020</a:t>
+              <a:t>6/3/2020</a:t>
             </a:fld>
             <a:endParaRPr lang="en-US"/>
           </a:p>
@@ -3597,7 +3604,7 @@
           <a:p>
             <a:fld id="{79E1C1AB-56A0-45EF-B181-CDDA2DAEED7E}" type="datetimeFigureOut">
               <a:rPr lang="en-US" smtClean="0"/>
-              <a:t>6/2/2020</a:t>
+              <a:t>6/3/2020</a:t>
             </a:fld>
             <a:endParaRPr lang="en-US"/>
           </a:p>
@@ -3889,7 +3896,7 @@
           <a:p>
             <a:fld id="{79E1C1AB-56A0-45EF-B181-CDDA2DAEED7E}" type="datetimeFigureOut">
               <a:rPr lang="en-US" smtClean="0"/>
-              <a:t>6/2/2020</a:t>
+              <a:t>6/3/2020</a:t>
             </a:fld>
             <a:endParaRPr lang="en-US"/>
           </a:p>
@@ -4327,7 +4334,7 @@
           <a:p>
             <a:fld id="{79E1C1AB-56A0-45EF-B181-CDDA2DAEED7E}" type="datetimeFigureOut">
               <a:rPr lang="en-US" smtClean="0"/>
-              <a:t>6/2/2020</a:t>
+              <a:t>6/3/2020</a:t>
             </a:fld>
             <a:endParaRPr lang="en-US"/>
           </a:p>
@@ -4445,7 +4452,7 @@
           <a:p>
             <a:fld id="{79E1C1AB-56A0-45EF-B181-CDDA2DAEED7E}" type="datetimeFigureOut">
               <a:rPr lang="en-US" smtClean="0"/>
-              <a:t>6/2/2020</a:t>
+              <a:t>6/3/2020</a:t>
             </a:fld>
             <a:endParaRPr lang="en-US"/>
           </a:p>
@@ -4540,7 +4547,7 @@
           <a:p>
             <a:fld id="{79E1C1AB-56A0-45EF-B181-CDDA2DAEED7E}" type="datetimeFigureOut">
               <a:rPr lang="en-US" smtClean="0"/>
-              <a:t>6/2/2020</a:t>
+              <a:t>6/3/2020</a:t>
             </a:fld>
             <a:endParaRPr lang="en-US"/>
           </a:p>
@@ -4819,7 +4826,7 @@
           <a:p>
             <a:fld id="{79E1C1AB-56A0-45EF-B181-CDDA2DAEED7E}" type="datetimeFigureOut">
               <a:rPr lang="en-US" smtClean="0"/>
-              <a:t>6/2/2020</a:t>
+              <a:t>6/3/2020</a:t>
             </a:fld>
             <a:endParaRPr lang="en-US"/>
           </a:p>
@@ -5094,7 +5101,7 @@
           <a:p>
             <a:fld id="{79E1C1AB-56A0-45EF-B181-CDDA2DAEED7E}" type="datetimeFigureOut">
               <a:rPr lang="en-US" smtClean="0"/>
-              <a:t>6/2/2020</a:t>
+              <a:t>6/3/2020</a:t>
             </a:fld>
             <a:endParaRPr lang="en-US"/>
           </a:p>
@@ -5523,7 +5530,7 @@
           <a:p>
             <a:fld id="{79E1C1AB-56A0-45EF-B181-CDDA2DAEED7E}" type="datetimeFigureOut">
               <a:rPr lang="en-US" smtClean="0"/>
-              <a:t>6/2/2020</a:t>
+              <a:t>6/3/2020</a:t>
             </a:fld>
             <a:endParaRPr lang="en-US"/>
           </a:p>
@@ -7314,6 +7321,3305 @@
 </p:sld>
 </file>
 
+<file path=ppt/slides/slide14.xml><?xml version="1.0" encoding="utf-8"?>
+<p:sld xmlns:a="http://schemas.openxmlformats.org/drawingml/2006/main" xmlns:r="http://schemas.openxmlformats.org/officeDocument/2006/relationships" xmlns:p="http://schemas.openxmlformats.org/presentationml/2006/main">
+  <p:cSld>
+    <p:spTree>
+      <p:nvGrpSpPr>
+        <p:cNvPr id="1" name=""/>
+        <p:cNvGrpSpPr/>
+        <p:nvPr/>
+      </p:nvGrpSpPr>
+      <p:grpSpPr>
+        <a:xfrm>
+          <a:off x="0" y="0"/>
+          <a:ext cx="0" cy="0"/>
+          <a:chOff x="0" y="0"/>
+          <a:chExt cx="0" cy="0"/>
+        </a:xfrm>
+      </p:grpSpPr>
+      <p:sp>
+        <p:nvSpPr>
+          <p:cNvPr id="2" name="Title 1">
+            <a:extLst>
+              <a:ext uri="{FF2B5EF4-FFF2-40B4-BE49-F238E27FC236}">
+                <a16:creationId xmlns:a16="http://schemas.microsoft.com/office/drawing/2014/main" id="{954C6609-C165-4F20-866E-6885D0D6A5F6}"/>
+              </a:ext>
+            </a:extLst>
+          </p:cNvPr>
+          <p:cNvSpPr>
+            <a:spLocks noGrp="1"/>
+          </p:cNvSpPr>
+          <p:nvPr>
+            <p:ph type="title"/>
+          </p:nvPr>
+        </p:nvSpPr>
+        <p:spPr/>
+        <p:txBody>
+          <a:bodyPr/>
+          <a:lstStyle/>
+          <a:p>
+            <a:r>
+              <a:rPr lang="en-US" dirty="0"/>
+              <a:t>Classes and Objects</a:t>
+            </a:r>
+          </a:p>
+        </p:txBody>
+      </p:sp>
+      <p:sp>
+        <p:nvSpPr>
+          <p:cNvPr id="3" name="Content Placeholder 2">
+            <a:extLst>
+              <a:ext uri="{FF2B5EF4-FFF2-40B4-BE49-F238E27FC236}">
+                <a16:creationId xmlns:a16="http://schemas.microsoft.com/office/drawing/2014/main" id="{4ADD1D11-AB0C-474D-AAE7-92579DA8FF27}"/>
+              </a:ext>
+            </a:extLst>
+          </p:cNvPr>
+          <p:cNvSpPr>
+            <a:spLocks noGrp="1"/>
+          </p:cNvSpPr>
+          <p:nvPr>
+            <p:ph idx="1"/>
+          </p:nvPr>
+        </p:nvSpPr>
+        <p:spPr>
+          <a:xfrm>
+            <a:off x="1094435" y="1445963"/>
+            <a:ext cx="9274684" cy="814569"/>
+          </a:xfrm>
+        </p:spPr>
+        <p:txBody>
+          <a:bodyPr/>
+          <a:lstStyle/>
+          <a:p>
+            <a:pPr marL="0" indent="0">
+              <a:buNone/>
+            </a:pPr>
+            <a:r>
+              <a:rPr lang="en-US" dirty="0"/>
+              <a:t>A class is a blue print o </a:t>
+            </a:r>
+            <a:r>
+              <a:rPr lang="en-US" dirty="0" err="1"/>
+              <a:t>fobjects</a:t>
+            </a:r>
+            <a:r>
+              <a:rPr lang="en-US" dirty="0"/>
+              <a:t>. Objects are an instance of class with its data and functions (characteristic and </a:t>
+            </a:r>
+            <a:r>
+              <a:rPr lang="en-US" dirty="0" err="1"/>
+              <a:t>behaviour</a:t>
+            </a:r>
+            <a:r>
+              <a:rPr lang="en-US" dirty="0"/>
+              <a:t>).</a:t>
+            </a:r>
+          </a:p>
+          <a:p>
+            <a:pPr marL="0" indent="0">
+              <a:buNone/>
+            </a:pPr>
+            <a:endParaRPr lang="en-US" dirty="0"/>
+          </a:p>
+        </p:txBody>
+      </p:sp>
+      <p:sp>
+        <p:nvSpPr>
+          <p:cNvPr id="4" name="Rectangle: Rounded Corners 3">
+            <a:extLst>
+              <a:ext uri="{FF2B5EF4-FFF2-40B4-BE49-F238E27FC236}">
+                <a16:creationId xmlns:a16="http://schemas.microsoft.com/office/drawing/2014/main" id="{5E294FFB-E2A2-41A6-AE90-718E1AC2F31B}"/>
+              </a:ext>
+            </a:extLst>
+          </p:cNvPr>
+          <p:cNvSpPr/>
+          <p:nvPr/>
+        </p:nvSpPr>
+        <p:spPr>
+          <a:xfrm>
+            <a:off x="2947387" y="2396688"/>
+            <a:ext cx="3923930" cy="4045305"/>
+          </a:xfrm>
+          <a:prstGeom prst="roundRect">
+            <a:avLst/>
+          </a:prstGeom>
+        </p:spPr>
+        <p:style>
+          <a:lnRef idx="2">
+            <a:schemeClr val="accent1">
+              <a:shade val="50000"/>
+            </a:schemeClr>
+          </a:lnRef>
+          <a:fillRef idx="1">
+            <a:schemeClr val="accent1"/>
+          </a:fillRef>
+          <a:effectRef idx="0">
+            <a:schemeClr val="accent1"/>
+          </a:effectRef>
+          <a:fontRef idx="minor">
+            <a:schemeClr val="lt1"/>
+          </a:fontRef>
+        </p:style>
+        <p:txBody>
+          <a:bodyPr rtlCol="0" anchor="ctr"/>
+          <a:lstStyle/>
+          <a:p>
+            <a:pPr algn="ctr"/>
+            <a:endParaRPr lang="en-US"/>
+          </a:p>
+        </p:txBody>
+      </p:sp>
+      <p:sp>
+        <p:nvSpPr>
+          <p:cNvPr id="5" name="TextBox 4">
+            <a:extLst>
+              <a:ext uri="{FF2B5EF4-FFF2-40B4-BE49-F238E27FC236}">
+                <a16:creationId xmlns:a16="http://schemas.microsoft.com/office/drawing/2014/main" id="{2A43A679-5499-4B50-B35B-441D41C9857C}"/>
+              </a:ext>
+            </a:extLst>
+          </p:cNvPr>
+          <p:cNvSpPr txBox="1"/>
+          <p:nvPr/>
+        </p:nvSpPr>
+        <p:spPr>
+          <a:xfrm>
+            <a:off x="4203577" y="2523327"/>
+            <a:ext cx="1411549" cy="646331"/>
+          </a:xfrm>
+          <a:prstGeom prst="rect">
+            <a:avLst/>
+          </a:prstGeom>
+          <a:noFill/>
+        </p:spPr>
+        <p:txBody>
+          <a:bodyPr wrap="square" rtlCol="0">
+            <a:spAutoFit/>
+          </a:bodyPr>
+          <a:lstStyle/>
+          <a:p>
+            <a:pPr algn="ctr"/>
+            <a:r>
+              <a:rPr lang="en-US" dirty="0"/>
+              <a:t>Class Apartment</a:t>
+            </a:r>
+          </a:p>
+        </p:txBody>
+      </p:sp>
+      <p:sp>
+        <p:nvSpPr>
+          <p:cNvPr id="6" name="Rectangle 5">
+            <a:extLst>
+              <a:ext uri="{FF2B5EF4-FFF2-40B4-BE49-F238E27FC236}">
+                <a16:creationId xmlns:a16="http://schemas.microsoft.com/office/drawing/2014/main" id="{3A064FFB-2A68-482F-9A4C-1156D2A036F7}"/>
+              </a:ext>
+            </a:extLst>
+          </p:cNvPr>
+          <p:cNvSpPr/>
+          <p:nvPr/>
+        </p:nvSpPr>
+        <p:spPr>
+          <a:xfrm>
+            <a:off x="3377954" y="3305814"/>
+            <a:ext cx="3173766" cy="1393794"/>
+          </a:xfrm>
+          <a:prstGeom prst="rect">
+            <a:avLst/>
+          </a:prstGeom>
+        </p:spPr>
+        <p:style>
+          <a:lnRef idx="2">
+            <a:schemeClr val="accent5">
+              <a:shade val="50000"/>
+            </a:schemeClr>
+          </a:lnRef>
+          <a:fillRef idx="1">
+            <a:schemeClr val="accent5"/>
+          </a:fillRef>
+          <a:effectRef idx="0">
+            <a:schemeClr val="accent5"/>
+          </a:effectRef>
+          <a:fontRef idx="minor">
+            <a:schemeClr val="lt1"/>
+          </a:fontRef>
+        </p:style>
+        <p:txBody>
+          <a:bodyPr rtlCol="0" anchor="ctr"/>
+          <a:lstStyle/>
+          <a:p>
+            <a:pPr algn="ctr"/>
+            <a:endParaRPr lang="en-US"/>
+          </a:p>
+        </p:txBody>
+      </p:sp>
+      <p:sp>
+        <p:nvSpPr>
+          <p:cNvPr id="7" name="TextBox 6">
+            <a:extLst>
+              <a:ext uri="{FF2B5EF4-FFF2-40B4-BE49-F238E27FC236}">
+                <a16:creationId xmlns:a16="http://schemas.microsoft.com/office/drawing/2014/main" id="{63FE7D26-5268-4D3C-B50E-9A6D6D21B160}"/>
+              </a:ext>
+            </a:extLst>
+          </p:cNvPr>
+          <p:cNvSpPr txBox="1"/>
+          <p:nvPr/>
+        </p:nvSpPr>
+        <p:spPr>
+          <a:xfrm>
+            <a:off x="3377954" y="3305814"/>
+            <a:ext cx="3173766" cy="1569660"/>
+          </a:xfrm>
+          <a:prstGeom prst="rect">
+            <a:avLst/>
+          </a:prstGeom>
+          <a:noFill/>
+        </p:spPr>
+        <p:txBody>
+          <a:bodyPr wrap="square" rtlCol="0">
+            <a:spAutoFit/>
+          </a:bodyPr>
+          <a:lstStyle/>
+          <a:p>
+            <a:pPr algn="ctr"/>
+            <a:r>
+              <a:rPr lang="en-US" sz="2400" b="1" dirty="0"/>
+              <a:t>Characteristics</a:t>
+            </a:r>
+            <a:endParaRPr lang="en-US" b="1" dirty="0"/>
+          </a:p>
+          <a:p>
+            <a:r>
+              <a:rPr lang="en-US" dirty="0"/>
+              <a:t>Name</a:t>
+            </a:r>
+          </a:p>
+          <a:p>
+            <a:r>
+              <a:rPr lang="en-US" dirty="0"/>
+              <a:t>No. of flats</a:t>
+            </a:r>
+          </a:p>
+          <a:p>
+            <a:r>
+              <a:rPr lang="en-US" dirty="0"/>
+              <a:t>No. of rooms</a:t>
+            </a:r>
+          </a:p>
+          <a:p>
+            <a:pPr algn="ctr"/>
+            <a:endParaRPr lang="en-US" dirty="0"/>
+          </a:p>
+        </p:txBody>
+      </p:sp>
+      <p:sp>
+        <p:nvSpPr>
+          <p:cNvPr id="8" name="Rectangle 7">
+            <a:extLst>
+              <a:ext uri="{FF2B5EF4-FFF2-40B4-BE49-F238E27FC236}">
+                <a16:creationId xmlns:a16="http://schemas.microsoft.com/office/drawing/2014/main" id="{93B12822-195E-4C4F-B221-84C2E3626F7C}"/>
+              </a:ext>
+            </a:extLst>
+          </p:cNvPr>
+          <p:cNvSpPr/>
+          <p:nvPr/>
+        </p:nvSpPr>
+        <p:spPr>
+          <a:xfrm>
+            <a:off x="3377954" y="4971495"/>
+            <a:ext cx="3173766" cy="1083076"/>
+          </a:xfrm>
+          <a:prstGeom prst="rect">
+            <a:avLst/>
+          </a:prstGeom>
+        </p:spPr>
+        <p:style>
+          <a:lnRef idx="2">
+            <a:schemeClr val="accent4">
+              <a:shade val="50000"/>
+            </a:schemeClr>
+          </a:lnRef>
+          <a:fillRef idx="1">
+            <a:schemeClr val="accent4"/>
+          </a:fillRef>
+          <a:effectRef idx="0">
+            <a:schemeClr val="accent4"/>
+          </a:effectRef>
+          <a:fontRef idx="minor">
+            <a:schemeClr val="lt1"/>
+          </a:fontRef>
+        </p:style>
+        <p:txBody>
+          <a:bodyPr rtlCol="0" anchor="ctr"/>
+          <a:lstStyle/>
+          <a:p>
+            <a:pPr algn="ctr"/>
+            <a:endParaRPr lang="en-US"/>
+          </a:p>
+        </p:txBody>
+      </p:sp>
+      <p:sp>
+        <p:nvSpPr>
+          <p:cNvPr id="9" name="TextBox 8">
+            <a:extLst>
+              <a:ext uri="{FF2B5EF4-FFF2-40B4-BE49-F238E27FC236}">
+                <a16:creationId xmlns:a16="http://schemas.microsoft.com/office/drawing/2014/main" id="{CE7299E2-F7FC-47CD-9F41-C5C11D90D3DD}"/>
+              </a:ext>
+            </a:extLst>
+          </p:cNvPr>
+          <p:cNvSpPr txBox="1"/>
+          <p:nvPr/>
+        </p:nvSpPr>
+        <p:spPr>
+          <a:xfrm>
+            <a:off x="3377954" y="5011630"/>
+            <a:ext cx="3173766" cy="923330"/>
+          </a:xfrm>
+          <a:prstGeom prst="rect">
+            <a:avLst/>
+          </a:prstGeom>
+          <a:noFill/>
+        </p:spPr>
+        <p:txBody>
+          <a:bodyPr wrap="square" rtlCol="0">
+            <a:spAutoFit/>
+          </a:bodyPr>
+          <a:lstStyle/>
+          <a:p>
+            <a:pPr algn="ctr"/>
+            <a:r>
+              <a:rPr lang="en-US" dirty="0" err="1"/>
+              <a:t>Behaviour</a:t>
+            </a:r>
+            <a:endParaRPr lang="en-US" dirty="0"/>
+          </a:p>
+          <a:p>
+            <a:r>
+              <a:rPr lang="en-US" dirty="0"/>
+              <a:t>Made of </a:t>
+            </a:r>
+          </a:p>
+          <a:p>
+            <a:r>
+              <a:rPr lang="en-US" dirty="0"/>
+              <a:t>cement and bricks</a:t>
+            </a:r>
+          </a:p>
+        </p:txBody>
+      </p:sp>
+      <p:sp>
+        <p:nvSpPr>
+          <p:cNvPr id="10" name="Oval 9">
+            <a:extLst>
+              <a:ext uri="{FF2B5EF4-FFF2-40B4-BE49-F238E27FC236}">
+                <a16:creationId xmlns:a16="http://schemas.microsoft.com/office/drawing/2014/main" id="{6AB24B6F-96E7-4718-86B2-17DD8A4882B8}"/>
+              </a:ext>
+            </a:extLst>
+          </p:cNvPr>
+          <p:cNvSpPr/>
+          <p:nvPr/>
+        </p:nvSpPr>
+        <p:spPr>
+          <a:xfrm>
+            <a:off x="9974538" y="1764530"/>
+            <a:ext cx="1123027" cy="1092283"/>
+          </a:xfrm>
+          <a:prstGeom prst="ellipse">
+            <a:avLst/>
+          </a:prstGeom>
+        </p:spPr>
+        <p:style>
+          <a:lnRef idx="2">
+            <a:schemeClr val="accent1">
+              <a:shade val="50000"/>
+            </a:schemeClr>
+          </a:lnRef>
+          <a:fillRef idx="1">
+            <a:schemeClr val="accent1"/>
+          </a:fillRef>
+          <a:effectRef idx="0">
+            <a:schemeClr val="accent1"/>
+          </a:effectRef>
+          <a:fontRef idx="minor">
+            <a:schemeClr val="lt1"/>
+          </a:fontRef>
+        </p:style>
+        <p:txBody>
+          <a:bodyPr rtlCol="0" anchor="ctr"/>
+          <a:lstStyle/>
+          <a:p>
+            <a:pPr algn="ctr"/>
+            <a:endParaRPr lang="en-US"/>
+          </a:p>
+        </p:txBody>
+      </p:sp>
+      <p:sp>
+        <p:nvSpPr>
+          <p:cNvPr id="11" name="Oval 10">
+            <a:extLst>
+              <a:ext uri="{FF2B5EF4-FFF2-40B4-BE49-F238E27FC236}">
+                <a16:creationId xmlns:a16="http://schemas.microsoft.com/office/drawing/2014/main" id="{33015D2C-B99E-4F70-8EB4-47383C5A5F88}"/>
+              </a:ext>
+            </a:extLst>
+          </p:cNvPr>
+          <p:cNvSpPr/>
+          <p:nvPr/>
+        </p:nvSpPr>
+        <p:spPr>
+          <a:xfrm>
+            <a:off x="10033078" y="2998361"/>
+            <a:ext cx="1123027" cy="1092283"/>
+          </a:xfrm>
+          <a:prstGeom prst="ellipse">
+            <a:avLst/>
+          </a:prstGeom>
+        </p:spPr>
+        <p:style>
+          <a:lnRef idx="2">
+            <a:schemeClr val="accent1">
+              <a:shade val="50000"/>
+            </a:schemeClr>
+          </a:lnRef>
+          <a:fillRef idx="1">
+            <a:schemeClr val="accent1"/>
+          </a:fillRef>
+          <a:effectRef idx="0">
+            <a:schemeClr val="accent1"/>
+          </a:effectRef>
+          <a:fontRef idx="minor">
+            <a:schemeClr val="lt1"/>
+          </a:fontRef>
+        </p:style>
+        <p:txBody>
+          <a:bodyPr rtlCol="0" anchor="ctr"/>
+          <a:lstStyle/>
+          <a:p>
+            <a:pPr algn="ctr"/>
+            <a:endParaRPr lang="en-US"/>
+          </a:p>
+        </p:txBody>
+      </p:sp>
+      <p:sp>
+        <p:nvSpPr>
+          <p:cNvPr id="12" name="Oval 11">
+            <a:extLst>
+              <a:ext uri="{FF2B5EF4-FFF2-40B4-BE49-F238E27FC236}">
+                <a16:creationId xmlns:a16="http://schemas.microsoft.com/office/drawing/2014/main" id="{08BA370E-08C3-410B-8B1A-0497C09F8BE1}"/>
+              </a:ext>
+            </a:extLst>
+          </p:cNvPr>
+          <p:cNvSpPr/>
+          <p:nvPr/>
+        </p:nvSpPr>
+        <p:spPr>
+          <a:xfrm>
+            <a:off x="10050833" y="4263746"/>
+            <a:ext cx="1123027" cy="1092283"/>
+          </a:xfrm>
+          <a:prstGeom prst="ellipse">
+            <a:avLst/>
+          </a:prstGeom>
+        </p:spPr>
+        <p:style>
+          <a:lnRef idx="2">
+            <a:schemeClr val="accent1">
+              <a:shade val="50000"/>
+            </a:schemeClr>
+          </a:lnRef>
+          <a:fillRef idx="1">
+            <a:schemeClr val="accent1"/>
+          </a:fillRef>
+          <a:effectRef idx="0">
+            <a:schemeClr val="accent1"/>
+          </a:effectRef>
+          <a:fontRef idx="minor">
+            <a:schemeClr val="lt1"/>
+          </a:fontRef>
+        </p:style>
+        <p:txBody>
+          <a:bodyPr rtlCol="0" anchor="ctr"/>
+          <a:lstStyle/>
+          <a:p>
+            <a:pPr algn="ctr"/>
+            <a:endParaRPr lang="en-US"/>
+          </a:p>
+        </p:txBody>
+      </p:sp>
+      <p:sp>
+        <p:nvSpPr>
+          <p:cNvPr id="13" name="Oval 12">
+            <a:extLst>
+              <a:ext uri="{FF2B5EF4-FFF2-40B4-BE49-F238E27FC236}">
+                <a16:creationId xmlns:a16="http://schemas.microsoft.com/office/drawing/2014/main" id="{90CF1E32-DFAD-4CD8-980F-5BF4FEC6ED1E}"/>
+              </a:ext>
+            </a:extLst>
+          </p:cNvPr>
+          <p:cNvSpPr/>
+          <p:nvPr/>
+        </p:nvSpPr>
+        <p:spPr>
+          <a:xfrm>
+            <a:off x="10050834" y="5508429"/>
+            <a:ext cx="1123027" cy="1092283"/>
+          </a:xfrm>
+          <a:prstGeom prst="ellipse">
+            <a:avLst/>
+          </a:prstGeom>
+        </p:spPr>
+        <p:style>
+          <a:lnRef idx="2">
+            <a:schemeClr val="accent1">
+              <a:shade val="50000"/>
+            </a:schemeClr>
+          </a:lnRef>
+          <a:fillRef idx="1">
+            <a:schemeClr val="accent1"/>
+          </a:fillRef>
+          <a:effectRef idx="0">
+            <a:schemeClr val="accent1"/>
+          </a:effectRef>
+          <a:fontRef idx="minor">
+            <a:schemeClr val="lt1"/>
+          </a:fontRef>
+        </p:style>
+        <p:txBody>
+          <a:bodyPr rtlCol="0" anchor="ctr"/>
+          <a:lstStyle/>
+          <a:p>
+            <a:pPr algn="ctr"/>
+            <a:endParaRPr lang="en-US"/>
+          </a:p>
+        </p:txBody>
+      </p:sp>
+      <p:cxnSp>
+        <p:nvCxnSpPr>
+          <p:cNvPr id="15" name="Straight Arrow Connector 14">
+            <a:extLst>
+              <a:ext uri="{FF2B5EF4-FFF2-40B4-BE49-F238E27FC236}">
+                <a16:creationId xmlns:a16="http://schemas.microsoft.com/office/drawing/2014/main" id="{5D18003C-51E4-41CA-9479-B2D50182DEF2}"/>
+              </a:ext>
+            </a:extLst>
+          </p:cNvPr>
+          <p:cNvCxnSpPr>
+            <a:stCxn id="4" idx="3"/>
+            <a:endCxn id="10" idx="2"/>
+          </p:cNvCxnSpPr>
+          <p:nvPr/>
+        </p:nvCxnSpPr>
+        <p:spPr>
+          <a:xfrm flipV="1">
+            <a:off x="6871317" y="2310672"/>
+            <a:ext cx="3103221" cy="2108669"/>
+          </a:xfrm>
+          <a:prstGeom prst="straightConnector1">
+            <a:avLst/>
+          </a:prstGeom>
+          <a:ln>
+            <a:tailEnd type="triangle"/>
+          </a:ln>
+        </p:spPr>
+        <p:style>
+          <a:lnRef idx="3">
+            <a:schemeClr val="dk1"/>
+          </a:lnRef>
+          <a:fillRef idx="0">
+            <a:schemeClr val="dk1"/>
+          </a:fillRef>
+          <a:effectRef idx="2">
+            <a:schemeClr val="dk1"/>
+          </a:effectRef>
+          <a:fontRef idx="minor">
+            <a:schemeClr val="tx1"/>
+          </a:fontRef>
+        </p:style>
+      </p:cxnSp>
+      <p:cxnSp>
+        <p:nvCxnSpPr>
+          <p:cNvPr id="16" name="Straight Arrow Connector 15">
+            <a:extLst>
+              <a:ext uri="{FF2B5EF4-FFF2-40B4-BE49-F238E27FC236}">
+                <a16:creationId xmlns:a16="http://schemas.microsoft.com/office/drawing/2014/main" id="{E73E92FE-2575-44C3-817D-EEA4D14D08EF}"/>
+              </a:ext>
+            </a:extLst>
+          </p:cNvPr>
+          <p:cNvCxnSpPr>
+            <a:cxnSpLocks/>
+            <a:stCxn id="4" idx="3"/>
+            <a:endCxn id="12" idx="2"/>
+          </p:cNvCxnSpPr>
+          <p:nvPr/>
+        </p:nvCxnSpPr>
+        <p:spPr>
+          <a:xfrm>
+            <a:off x="6871317" y="4419341"/>
+            <a:ext cx="3179516" cy="390547"/>
+          </a:xfrm>
+          <a:prstGeom prst="straightConnector1">
+            <a:avLst/>
+          </a:prstGeom>
+          <a:ln>
+            <a:tailEnd type="triangle"/>
+          </a:ln>
+        </p:spPr>
+        <p:style>
+          <a:lnRef idx="3">
+            <a:schemeClr val="dk1"/>
+          </a:lnRef>
+          <a:fillRef idx="0">
+            <a:schemeClr val="dk1"/>
+          </a:fillRef>
+          <a:effectRef idx="2">
+            <a:schemeClr val="dk1"/>
+          </a:effectRef>
+          <a:fontRef idx="minor">
+            <a:schemeClr val="tx1"/>
+          </a:fontRef>
+        </p:style>
+      </p:cxnSp>
+      <p:cxnSp>
+        <p:nvCxnSpPr>
+          <p:cNvPr id="17" name="Straight Arrow Connector 16">
+            <a:extLst>
+              <a:ext uri="{FF2B5EF4-FFF2-40B4-BE49-F238E27FC236}">
+                <a16:creationId xmlns:a16="http://schemas.microsoft.com/office/drawing/2014/main" id="{A84CFCE9-70C1-494B-A08B-3C79102C3223}"/>
+              </a:ext>
+            </a:extLst>
+          </p:cNvPr>
+          <p:cNvCxnSpPr>
+            <a:cxnSpLocks/>
+            <a:stCxn id="4" idx="3"/>
+            <a:endCxn id="13" idx="2"/>
+          </p:cNvCxnSpPr>
+          <p:nvPr/>
+        </p:nvCxnSpPr>
+        <p:spPr>
+          <a:xfrm>
+            <a:off x="6871317" y="4419341"/>
+            <a:ext cx="3179517" cy="1635230"/>
+          </a:xfrm>
+          <a:prstGeom prst="straightConnector1">
+            <a:avLst/>
+          </a:prstGeom>
+          <a:ln>
+            <a:tailEnd type="triangle"/>
+          </a:ln>
+        </p:spPr>
+        <p:style>
+          <a:lnRef idx="3">
+            <a:schemeClr val="dk1"/>
+          </a:lnRef>
+          <a:fillRef idx="0">
+            <a:schemeClr val="dk1"/>
+          </a:fillRef>
+          <a:effectRef idx="2">
+            <a:schemeClr val="dk1"/>
+          </a:effectRef>
+          <a:fontRef idx="minor">
+            <a:schemeClr val="tx1"/>
+          </a:fontRef>
+        </p:style>
+      </p:cxnSp>
+      <p:cxnSp>
+        <p:nvCxnSpPr>
+          <p:cNvPr id="18" name="Straight Arrow Connector 17">
+            <a:extLst>
+              <a:ext uri="{FF2B5EF4-FFF2-40B4-BE49-F238E27FC236}">
+                <a16:creationId xmlns:a16="http://schemas.microsoft.com/office/drawing/2014/main" id="{76FEC3E8-7885-4DBD-89A2-CF0AD3A63B32}"/>
+              </a:ext>
+            </a:extLst>
+          </p:cNvPr>
+          <p:cNvCxnSpPr>
+            <a:cxnSpLocks/>
+            <a:stCxn id="4" idx="3"/>
+            <a:endCxn id="11" idx="2"/>
+          </p:cNvCxnSpPr>
+          <p:nvPr/>
+        </p:nvCxnSpPr>
+        <p:spPr>
+          <a:xfrm flipV="1">
+            <a:off x="6871317" y="3544503"/>
+            <a:ext cx="3161761" cy="874838"/>
+          </a:xfrm>
+          <a:prstGeom prst="straightConnector1">
+            <a:avLst/>
+          </a:prstGeom>
+          <a:ln>
+            <a:tailEnd type="triangle"/>
+          </a:ln>
+        </p:spPr>
+        <p:style>
+          <a:lnRef idx="3">
+            <a:schemeClr val="dk1"/>
+          </a:lnRef>
+          <a:fillRef idx="0">
+            <a:schemeClr val="dk1"/>
+          </a:fillRef>
+          <a:effectRef idx="2">
+            <a:schemeClr val="dk1"/>
+          </a:effectRef>
+          <a:fontRef idx="minor">
+            <a:schemeClr val="tx1"/>
+          </a:fontRef>
+        </p:style>
+      </p:cxnSp>
+      <p:sp>
+        <p:nvSpPr>
+          <p:cNvPr id="25" name="TextBox 24">
+            <a:extLst>
+              <a:ext uri="{FF2B5EF4-FFF2-40B4-BE49-F238E27FC236}">
+                <a16:creationId xmlns:a16="http://schemas.microsoft.com/office/drawing/2014/main" id="{B2884939-B0C5-45DF-835F-5F825F0DA97F}"/>
+              </a:ext>
+            </a:extLst>
+          </p:cNvPr>
+          <p:cNvSpPr txBox="1"/>
+          <p:nvPr/>
+        </p:nvSpPr>
+        <p:spPr>
+          <a:xfrm>
+            <a:off x="10147176" y="2068497"/>
+            <a:ext cx="842905" cy="369332"/>
+          </a:xfrm>
+          <a:prstGeom prst="rect">
+            <a:avLst/>
+          </a:prstGeom>
+          <a:noFill/>
+        </p:spPr>
+        <p:txBody>
+          <a:bodyPr wrap="square" rtlCol="0">
+            <a:spAutoFit/>
+          </a:bodyPr>
+          <a:lstStyle/>
+          <a:p>
+            <a:pPr algn="ctr"/>
+            <a:r>
+              <a:rPr lang="en-US" dirty="0"/>
+              <a:t>Ch. X</a:t>
+            </a:r>
+          </a:p>
+        </p:txBody>
+      </p:sp>
+      <p:sp>
+        <p:nvSpPr>
+          <p:cNvPr id="26" name="TextBox 25">
+            <a:extLst>
+              <a:ext uri="{FF2B5EF4-FFF2-40B4-BE49-F238E27FC236}">
+                <a16:creationId xmlns:a16="http://schemas.microsoft.com/office/drawing/2014/main" id="{6302999F-34B3-4429-9B6E-5F5E0E8EF18B}"/>
+              </a:ext>
+            </a:extLst>
+          </p:cNvPr>
+          <p:cNvSpPr txBox="1"/>
+          <p:nvPr/>
+        </p:nvSpPr>
+        <p:spPr>
+          <a:xfrm>
+            <a:off x="10135532" y="3316171"/>
+            <a:ext cx="842905" cy="369332"/>
+          </a:xfrm>
+          <a:prstGeom prst="rect">
+            <a:avLst/>
+          </a:prstGeom>
+          <a:noFill/>
+        </p:spPr>
+        <p:txBody>
+          <a:bodyPr wrap="square" rtlCol="0">
+            <a:spAutoFit/>
+          </a:bodyPr>
+          <a:lstStyle/>
+          <a:p>
+            <a:pPr algn="ctr"/>
+            <a:r>
+              <a:rPr lang="en-US" dirty="0"/>
+              <a:t>Ch. Y</a:t>
+            </a:r>
+          </a:p>
+        </p:txBody>
+      </p:sp>
+      <p:sp>
+        <p:nvSpPr>
+          <p:cNvPr id="27" name="TextBox 26">
+            <a:extLst>
+              <a:ext uri="{FF2B5EF4-FFF2-40B4-BE49-F238E27FC236}">
+                <a16:creationId xmlns:a16="http://schemas.microsoft.com/office/drawing/2014/main" id="{A74A15C1-DC45-49B4-B257-1BABA36D31D1}"/>
+              </a:ext>
+            </a:extLst>
+          </p:cNvPr>
+          <p:cNvSpPr txBox="1"/>
+          <p:nvPr/>
+        </p:nvSpPr>
+        <p:spPr>
+          <a:xfrm>
+            <a:off x="10205408" y="5869904"/>
+            <a:ext cx="842905" cy="369332"/>
+          </a:xfrm>
+          <a:prstGeom prst="rect">
+            <a:avLst/>
+          </a:prstGeom>
+          <a:noFill/>
+        </p:spPr>
+        <p:txBody>
+          <a:bodyPr wrap="square" rtlCol="0">
+            <a:spAutoFit/>
+          </a:bodyPr>
+          <a:lstStyle/>
+          <a:p>
+            <a:pPr algn="ctr"/>
+            <a:r>
+              <a:rPr lang="en-US" dirty="0" err="1"/>
+              <a:t>Ch.W</a:t>
+            </a:r>
+            <a:endParaRPr lang="en-US" dirty="0"/>
+          </a:p>
+        </p:txBody>
+      </p:sp>
+      <p:sp>
+        <p:nvSpPr>
+          <p:cNvPr id="28" name="TextBox 27">
+            <a:extLst>
+              <a:ext uri="{FF2B5EF4-FFF2-40B4-BE49-F238E27FC236}">
+                <a16:creationId xmlns:a16="http://schemas.microsoft.com/office/drawing/2014/main" id="{233AE470-FC9A-41F7-8354-309AB0F64E90}"/>
+              </a:ext>
+            </a:extLst>
+          </p:cNvPr>
+          <p:cNvSpPr txBox="1"/>
+          <p:nvPr/>
+        </p:nvSpPr>
+        <p:spPr>
+          <a:xfrm>
+            <a:off x="10190893" y="4602163"/>
+            <a:ext cx="842905" cy="369332"/>
+          </a:xfrm>
+          <a:prstGeom prst="rect">
+            <a:avLst/>
+          </a:prstGeom>
+          <a:noFill/>
+        </p:spPr>
+        <p:txBody>
+          <a:bodyPr wrap="square" rtlCol="0">
+            <a:spAutoFit/>
+          </a:bodyPr>
+          <a:lstStyle/>
+          <a:p>
+            <a:pPr algn="ctr"/>
+            <a:r>
+              <a:rPr lang="en-US" dirty="0"/>
+              <a:t>Ch. Z</a:t>
+            </a:r>
+          </a:p>
+        </p:txBody>
+      </p:sp>
+    </p:spTree>
+    <p:extLst>
+      <p:ext uri="{BB962C8B-B14F-4D97-AF65-F5344CB8AC3E}">
+        <p14:creationId xmlns:p14="http://schemas.microsoft.com/office/powerpoint/2010/main" val="750199656"/>
+      </p:ext>
+    </p:extLst>
+  </p:cSld>
+  <p:clrMapOvr>
+    <a:masterClrMapping/>
+  </p:clrMapOvr>
+</p:sld>
+</file>
+
+<file path=ppt/slides/slide15.xml><?xml version="1.0" encoding="utf-8"?>
+<p:sld xmlns:a="http://schemas.openxmlformats.org/drawingml/2006/main" xmlns:r="http://schemas.openxmlformats.org/officeDocument/2006/relationships" xmlns:p="http://schemas.openxmlformats.org/presentationml/2006/main">
+  <p:cSld>
+    <p:spTree>
+      <p:nvGrpSpPr>
+        <p:cNvPr id="1" name=""/>
+        <p:cNvGrpSpPr/>
+        <p:nvPr/>
+      </p:nvGrpSpPr>
+      <p:grpSpPr>
+        <a:xfrm>
+          <a:off x="0" y="0"/>
+          <a:ext cx="0" cy="0"/>
+          <a:chOff x="0" y="0"/>
+          <a:chExt cx="0" cy="0"/>
+        </a:xfrm>
+      </p:grpSpPr>
+      <p:sp>
+        <p:nvSpPr>
+          <p:cNvPr id="2" name="Rectangle: Rounded Corners 1">
+            <a:extLst>
+              <a:ext uri="{FF2B5EF4-FFF2-40B4-BE49-F238E27FC236}">
+                <a16:creationId xmlns:a16="http://schemas.microsoft.com/office/drawing/2014/main" id="{85D47722-B6A0-4EBE-A884-F4C755062DDE}"/>
+              </a:ext>
+            </a:extLst>
+          </p:cNvPr>
+          <p:cNvSpPr/>
+          <p:nvPr/>
+        </p:nvSpPr>
+        <p:spPr>
+          <a:xfrm>
+            <a:off x="4421080" y="239697"/>
+            <a:ext cx="3497802" cy="941033"/>
+          </a:xfrm>
+          <a:prstGeom prst="roundRect">
+            <a:avLst/>
+          </a:prstGeom>
+        </p:spPr>
+        <p:style>
+          <a:lnRef idx="2">
+            <a:schemeClr val="accent1">
+              <a:shade val="50000"/>
+            </a:schemeClr>
+          </a:lnRef>
+          <a:fillRef idx="1">
+            <a:schemeClr val="accent1"/>
+          </a:fillRef>
+          <a:effectRef idx="0">
+            <a:schemeClr val="accent1"/>
+          </a:effectRef>
+          <a:fontRef idx="minor">
+            <a:schemeClr val="lt1"/>
+          </a:fontRef>
+        </p:style>
+        <p:txBody>
+          <a:bodyPr rtlCol="0" anchor="ctr"/>
+          <a:lstStyle/>
+          <a:p>
+            <a:pPr algn="ctr"/>
+            <a:endParaRPr lang="en-US"/>
+          </a:p>
+        </p:txBody>
+      </p:sp>
+      <p:sp>
+        <p:nvSpPr>
+          <p:cNvPr id="3" name="TextBox 2">
+            <a:extLst>
+              <a:ext uri="{FF2B5EF4-FFF2-40B4-BE49-F238E27FC236}">
+                <a16:creationId xmlns:a16="http://schemas.microsoft.com/office/drawing/2014/main" id="{DF6C3C8D-8DFF-40B9-9B12-EE9E8070367C}"/>
+              </a:ext>
+            </a:extLst>
+          </p:cNvPr>
+          <p:cNvSpPr txBox="1"/>
+          <p:nvPr/>
+        </p:nvSpPr>
+        <p:spPr>
+          <a:xfrm>
+            <a:off x="4669654" y="443883"/>
+            <a:ext cx="3053919" cy="369332"/>
+          </a:xfrm>
+          <a:prstGeom prst="rect">
+            <a:avLst/>
+          </a:prstGeom>
+          <a:noFill/>
+        </p:spPr>
+        <p:txBody>
+          <a:bodyPr wrap="square" rtlCol="0">
+            <a:spAutoFit/>
+          </a:bodyPr>
+          <a:lstStyle/>
+          <a:p>
+            <a:pPr algn="ctr"/>
+            <a:r>
+              <a:rPr lang="en-US" dirty="0"/>
+              <a:t>Apartment</a:t>
+            </a:r>
+          </a:p>
+        </p:txBody>
+      </p:sp>
+      <p:sp>
+        <p:nvSpPr>
+          <p:cNvPr id="4" name="Rectangle: Rounded Corners 3">
+            <a:extLst>
+              <a:ext uri="{FF2B5EF4-FFF2-40B4-BE49-F238E27FC236}">
+                <a16:creationId xmlns:a16="http://schemas.microsoft.com/office/drawing/2014/main" id="{B05A35A0-5051-47A5-9D16-B01D38271279}"/>
+              </a:ext>
+            </a:extLst>
+          </p:cNvPr>
+          <p:cNvSpPr/>
+          <p:nvPr/>
+        </p:nvSpPr>
+        <p:spPr>
+          <a:xfrm>
+            <a:off x="1562471" y="2368812"/>
+            <a:ext cx="3923930" cy="4045305"/>
+          </a:xfrm>
+          <a:prstGeom prst="roundRect">
+            <a:avLst/>
+          </a:prstGeom>
+        </p:spPr>
+        <p:style>
+          <a:lnRef idx="2">
+            <a:schemeClr val="accent1">
+              <a:shade val="50000"/>
+            </a:schemeClr>
+          </a:lnRef>
+          <a:fillRef idx="1">
+            <a:schemeClr val="accent1"/>
+          </a:fillRef>
+          <a:effectRef idx="0">
+            <a:schemeClr val="accent1"/>
+          </a:effectRef>
+          <a:fontRef idx="minor">
+            <a:schemeClr val="lt1"/>
+          </a:fontRef>
+        </p:style>
+        <p:txBody>
+          <a:bodyPr rtlCol="0" anchor="ctr"/>
+          <a:lstStyle/>
+          <a:p>
+            <a:pPr algn="ctr"/>
+            <a:endParaRPr lang="en-US" dirty="0"/>
+          </a:p>
+        </p:txBody>
+      </p:sp>
+      <p:sp>
+        <p:nvSpPr>
+          <p:cNvPr id="5" name="Rectangle: Rounded Corners 4">
+            <a:extLst>
+              <a:ext uri="{FF2B5EF4-FFF2-40B4-BE49-F238E27FC236}">
+                <a16:creationId xmlns:a16="http://schemas.microsoft.com/office/drawing/2014/main" id="{CB88B760-1B33-4474-841B-1989599AE7E1}"/>
+              </a:ext>
+            </a:extLst>
+          </p:cNvPr>
+          <p:cNvSpPr/>
+          <p:nvPr/>
+        </p:nvSpPr>
+        <p:spPr>
+          <a:xfrm>
+            <a:off x="7112494" y="2300514"/>
+            <a:ext cx="3923930" cy="4045305"/>
+          </a:xfrm>
+          <a:prstGeom prst="roundRect">
+            <a:avLst/>
+          </a:prstGeom>
+        </p:spPr>
+        <p:style>
+          <a:lnRef idx="2">
+            <a:schemeClr val="accent1">
+              <a:shade val="50000"/>
+            </a:schemeClr>
+          </a:lnRef>
+          <a:fillRef idx="1">
+            <a:schemeClr val="accent1"/>
+          </a:fillRef>
+          <a:effectRef idx="0">
+            <a:schemeClr val="accent1"/>
+          </a:effectRef>
+          <a:fontRef idx="minor">
+            <a:schemeClr val="lt1"/>
+          </a:fontRef>
+        </p:style>
+        <p:txBody>
+          <a:bodyPr rtlCol="0" anchor="ctr"/>
+          <a:lstStyle/>
+          <a:p>
+            <a:pPr algn="ctr"/>
+            <a:endParaRPr lang="en-US" dirty="0"/>
+          </a:p>
+        </p:txBody>
+      </p:sp>
+      <p:cxnSp>
+        <p:nvCxnSpPr>
+          <p:cNvPr id="7" name="Connector: Elbow 6">
+            <a:extLst>
+              <a:ext uri="{FF2B5EF4-FFF2-40B4-BE49-F238E27FC236}">
+                <a16:creationId xmlns:a16="http://schemas.microsoft.com/office/drawing/2014/main" id="{6EF2111B-D90D-4C01-B6D6-109CF0A872E7}"/>
+              </a:ext>
+            </a:extLst>
+          </p:cNvPr>
+          <p:cNvCxnSpPr>
+            <a:stCxn id="2" idx="2"/>
+            <a:endCxn id="4" idx="0"/>
+          </p:cNvCxnSpPr>
+          <p:nvPr/>
+        </p:nvCxnSpPr>
+        <p:spPr>
+          <a:xfrm rot="5400000">
+            <a:off x="4253168" y="451999"/>
+            <a:ext cx="1188082" cy="2645545"/>
+          </a:xfrm>
+          <a:prstGeom prst="bentConnector3">
+            <a:avLst/>
+          </a:prstGeom>
+          <a:ln>
+            <a:tailEnd type="triangle"/>
+          </a:ln>
+        </p:spPr>
+        <p:style>
+          <a:lnRef idx="3">
+            <a:schemeClr val="accent1"/>
+          </a:lnRef>
+          <a:fillRef idx="0">
+            <a:schemeClr val="accent1"/>
+          </a:fillRef>
+          <a:effectRef idx="2">
+            <a:schemeClr val="accent1"/>
+          </a:effectRef>
+          <a:fontRef idx="minor">
+            <a:schemeClr val="tx1"/>
+          </a:fontRef>
+        </p:style>
+      </p:cxnSp>
+      <p:cxnSp>
+        <p:nvCxnSpPr>
+          <p:cNvPr id="11" name="Connector: Elbow 10">
+            <a:extLst>
+              <a:ext uri="{FF2B5EF4-FFF2-40B4-BE49-F238E27FC236}">
+                <a16:creationId xmlns:a16="http://schemas.microsoft.com/office/drawing/2014/main" id="{61254A9B-CB00-4458-A35E-E0554C80C3B2}"/>
+              </a:ext>
+            </a:extLst>
+          </p:cNvPr>
+          <p:cNvCxnSpPr>
+            <a:stCxn id="2" idx="2"/>
+            <a:endCxn id="5" idx="0"/>
+          </p:cNvCxnSpPr>
+          <p:nvPr/>
+        </p:nvCxnSpPr>
+        <p:spPr>
+          <a:xfrm rot="16200000" flipH="1">
+            <a:off x="7062328" y="288383"/>
+            <a:ext cx="1119784" cy="2904478"/>
+          </a:xfrm>
+          <a:prstGeom prst="bentConnector3">
+            <a:avLst/>
+          </a:prstGeom>
+          <a:ln>
+            <a:tailEnd type="triangle"/>
+          </a:ln>
+        </p:spPr>
+        <p:style>
+          <a:lnRef idx="3">
+            <a:schemeClr val="accent1"/>
+          </a:lnRef>
+          <a:fillRef idx="0">
+            <a:schemeClr val="accent1"/>
+          </a:fillRef>
+          <a:effectRef idx="2">
+            <a:schemeClr val="accent1"/>
+          </a:effectRef>
+          <a:fontRef idx="minor">
+            <a:schemeClr val="tx1"/>
+          </a:fontRef>
+        </p:style>
+      </p:cxnSp>
+      <p:sp>
+        <p:nvSpPr>
+          <p:cNvPr id="13" name="Rectangle 12">
+            <a:extLst>
+              <a:ext uri="{FF2B5EF4-FFF2-40B4-BE49-F238E27FC236}">
+                <a16:creationId xmlns:a16="http://schemas.microsoft.com/office/drawing/2014/main" id="{37FBACBE-E294-4DBF-B4DB-326ED7462850}"/>
+              </a:ext>
+            </a:extLst>
+          </p:cNvPr>
+          <p:cNvSpPr/>
+          <p:nvPr/>
+        </p:nvSpPr>
+        <p:spPr>
+          <a:xfrm>
+            <a:off x="2325950" y="2736328"/>
+            <a:ext cx="2482572" cy="369332"/>
+          </a:xfrm>
+          <a:prstGeom prst="rect">
+            <a:avLst/>
+          </a:prstGeom>
+        </p:spPr>
+        <p:txBody>
+          <a:bodyPr wrap="square">
+            <a:spAutoFit/>
+          </a:bodyPr>
+          <a:lstStyle/>
+          <a:p>
+            <a:pPr algn="ctr"/>
+            <a:r>
+              <a:rPr lang="en-US" dirty="0"/>
+              <a:t>Object - Gaur</a:t>
+            </a:r>
+          </a:p>
+        </p:txBody>
+      </p:sp>
+      <p:sp>
+        <p:nvSpPr>
+          <p:cNvPr id="18" name="TextBox 17">
+            <a:extLst>
+              <a:ext uri="{FF2B5EF4-FFF2-40B4-BE49-F238E27FC236}">
+                <a16:creationId xmlns:a16="http://schemas.microsoft.com/office/drawing/2014/main" id="{A2D25FD8-23F8-43B3-9B3A-40C46E30C0CF}"/>
+              </a:ext>
+            </a:extLst>
+          </p:cNvPr>
+          <p:cNvSpPr txBox="1"/>
+          <p:nvPr/>
+        </p:nvSpPr>
+        <p:spPr>
+          <a:xfrm>
+            <a:off x="7918882" y="2736328"/>
+            <a:ext cx="2601157" cy="369332"/>
+          </a:xfrm>
+          <a:prstGeom prst="rect">
+            <a:avLst/>
+          </a:prstGeom>
+          <a:noFill/>
+        </p:spPr>
+        <p:txBody>
+          <a:bodyPr wrap="square" rtlCol="0">
+            <a:spAutoFit/>
+          </a:bodyPr>
+          <a:lstStyle/>
+          <a:p>
+            <a:pPr algn="ctr"/>
+            <a:r>
+              <a:rPr lang="en-US" dirty="0"/>
+              <a:t>Object - </a:t>
+            </a:r>
+            <a:r>
+              <a:rPr lang="en-US" dirty="0" err="1"/>
+              <a:t>Panchsheel</a:t>
+            </a:r>
+            <a:endParaRPr lang="en-US" dirty="0"/>
+          </a:p>
+        </p:txBody>
+      </p:sp>
+      <p:sp>
+        <p:nvSpPr>
+          <p:cNvPr id="20" name="Rectangle 19">
+            <a:extLst>
+              <a:ext uri="{FF2B5EF4-FFF2-40B4-BE49-F238E27FC236}">
+                <a16:creationId xmlns:a16="http://schemas.microsoft.com/office/drawing/2014/main" id="{605FF75A-F407-4AC1-AFAA-A465D22EB0D4}"/>
+              </a:ext>
+            </a:extLst>
+          </p:cNvPr>
+          <p:cNvSpPr/>
+          <p:nvPr/>
+        </p:nvSpPr>
+        <p:spPr>
+          <a:xfrm>
+            <a:off x="1937553" y="4971495"/>
+            <a:ext cx="3173766" cy="1083076"/>
+          </a:xfrm>
+          <a:prstGeom prst="rect">
+            <a:avLst/>
+          </a:prstGeom>
+        </p:spPr>
+        <p:style>
+          <a:lnRef idx="2">
+            <a:schemeClr val="accent4">
+              <a:shade val="50000"/>
+            </a:schemeClr>
+          </a:lnRef>
+          <a:fillRef idx="1">
+            <a:schemeClr val="accent4"/>
+          </a:fillRef>
+          <a:effectRef idx="0">
+            <a:schemeClr val="accent4"/>
+          </a:effectRef>
+          <a:fontRef idx="minor">
+            <a:schemeClr val="lt1"/>
+          </a:fontRef>
+        </p:style>
+        <p:txBody>
+          <a:bodyPr rtlCol="0" anchor="ctr"/>
+          <a:lstStyle/>
+          <a:p>
+            <a:pPr algn="ctr"/>
+            <a:r>
+              <a:rPr lang="en-US"/>
+              <a:t>Behaviour</a:t>
+            </a:r>
+          </a:p>
+          <a:p>
+            <a:r>
+              <a:rPr lang="en-US"/>
+              <a:t>Made of </a:t>
+            </a:r>
+          </a:p>
+          <a:p>
+            <a:r>
+              <a:rPr lang="en-US"/>
+              <a:t>cement and bricks</a:t>
+            </a:r>
+            <a:endParaRPr lang="en-US" dirty="0"/>
+          </a:p>
+        </p:txBody>
+      </p:sp>
+      <p:sp>
+        <p:nvSpPr>
+          <p:cNvPr id="21" name="Rectangle 20">
+            <a:extLst>
+              <a:ext uri="{FF2B5EF4-FFF2-40B4-BE49-F238E27FC236}">
+                <a16:creationId xmlns:a16="http://schemas.microsoft.com/office/drawing/2014/main" id="{42F5633E-2915-4310-A05E-651A1B815553}"/>
+              </a:ext>
+            </a:extLst>
+          </p:cNvPr>
+          <p:cNvSpPr/>
+          <p:nvPr/>
+        </p:nvSpPr>
+        <p:spPr>
+          <a:xfrm>
+            <a:off x="7622220" y="4971495"/>
+            <a:ext cx="3173766" cy="1083076"/>
+          </a:xfrm>
+          <a:prstGeom prst="rect">
+            <a:avLst/>
+          </a:prstGeom>
+        </p:spPr>
+        <p:style>
+          <a:lnRef idx="2">
+            <a:schemeClr val="accent4">
+              <a:shade val="50000"/>
+            </a:schemeClr>
+          </a:lnRef>
+          <a:fillRef idx="1">
+            <a:schemeClr val="accent4"/>
+          </a:fillRef>
+          <a:effectRef idx="0">
+            <a:schemeClr val="accent4"/>
+          </a:effectRef>
+          <a:fontRef idx="minor">
+            <a:schemeClr val="lt1"/>
+          </a:fontRef>
+        </p:style>
+        <p:txBody>
+          <a:bodyPr rtlCol="0" anchor="ctr"/>
+          <a:lstStyle/>
+          <a:p>
+            <a:pPr algn="ctr"/>
+            <a:r>
+              <a:rPr lang="en-US"/>
+              <a:t>Behaviour</a:t>
+            </a:r>
+          </a:p>
+          <a:p>
+            <a:r>
+              <a:rPr lang="en-US"/>
+              <a:t>Made of </a:t>
+            </a:r>
+          </a:p>
+          <a:p>
+            <a:r>
+              <a:rPr lang="en-US"/>
+              <a:t>cement and bricks</a:t>
+            </a:r>
+            <a:endParaRPr lang="en-US" dirty="0"/>
+          </a:p>
+        </p:txBody>
+      </p:sp>
+      <p:sp>
+        <p:nvSpPr>
+          <p:cNvPr id="22" name="Rectangle 21">
+            <a:extLst>
+              <a:ext uri="{FF2B5EF4-FFF2-40B4-BE49-F238E27FC236}">
+                <a16:creationId xmlns:a16="http://schemas.microsoft.com/office/drawing/2014/main" id="{5C9EE7DD-0B78-48FA-AA72-51E40892BAFE}"/>
+              </a:ext>
+            </a:extLst>
+          </p:cNvPr>
+          <p:cNvSpPr/>
+          <p:nvPr/>
+        </p:nvSpPr>
+        <p:spPr>
+          <a:xfrm>
+            <a:off x="1980353" y="3225915"/>
+            <a:ext cx="3173766" cy="1393794"/>
+          </a:xfrm>
+          <a:prstGeom prst="rect">
+            <a:avLst/>
+          </a:prstGeom>
+        </p:spPr>
+        <p:style>
+          <a:lnRef idx="2">
+            <a:schemeClr val="accent5">
+              <a:shade val="50000"/>
+            </a:schemeClr>
+          </a:lnRef>
+          <a:fillRef idx="1">
+            <a:schemeClr val="accent5"/>
+          </a:fillRef>
+          <a:effectRef idx="0">
+            <a:schemeClr val="accent5"/>
+          </a:effectRef>
+          <a:fontRef idx="minor">
+            <a:schemeClr val="lt1"/>
+          </a:fontRef>
+        </p:style>
+        <p:txBody>
+          <a:bodyPr rtlCol="0" anchor="ctr"/>
+          <a:lstStyle/>
+          <a:p>
+            <a:pPr algn="ctr"/>
+            <a:r>
+              <a:rPr lang="en-US" sz="2400" b="1" dirty="0"/>
+              <a:t>Characteristics</a:t>
+            </a:r>
+            <a:endParaRPr lang="en-US" b="1" dirty="0"/>
+          </a:p>
+          <a:p>
+            <a:r>
+              <a:rPr lang="en-US" dirty="0"/>
+              <a:t>Name : Gaur Homes</a:t>
+            </a:r>
+          </a:p>
+          <a:p>
+            <a:r>
+              <a:rPr lang="en-US" dirty="0"/>
+              <a:t>No. of flats : 50</a:t>
+            </a:r>
+          </a:p>
+          <a:p>
+            <a:r>
+              <a:rPr lang="en-US" dirty="0"/>
+              <a:t>No. of rooms : 100</a:t>
+            </a:r>
+          </a:p>
+        </p:txBody>
+      </p:sp>
+      <p:sp>
+        <p:nvSpPr>
+          <p:cNvPr id="23" name="Rectangle 22">
+            <a:extLst>
+              <a:ext uri="{FF2B5EF4-FFF2-40B4-BE49-F238E27FC236}">
+                <a16:creationId xmlns:a16="http://schemas.microsoft.com/office/drawing/2014/main" id="{AA5A236B-EA9A-434F-ACFA-70A067E5CD08}"/>
+              </a:ext>
+            </a:extLst>
+          </p:cNvPr>
+          <p:cNvSpPr/>
+          <p:nvPr/>
+        </p:nvSpPr>
+        <p:spPr>
+          <a:xfrm>
+            <a:off x="7622220" y="3341680"/>
+            <a:ext cx="3173766" cy="1393794"/>
+          </a:xfrm>
+          <a:prstGeom prst="rect">
+            <a:avLst/>
+          </a:prstGeom>
+        </p:spPr>
+        <p:style>
+          <a:lnRef idx="2">
+            <a:schemeClr val="accent5">
+              <a:shade val="50000"/>
+            </a:schemeClr>
+          </a:lnRef>
+          <a:fillRef idx="1">
+            <a:schemeClr val="accent5"/>
+          </a:fillRef>
+          <a:effectRef idx="0">
+            <a:schemeClr val="accent5"/>
+          </a:effectRef>
+          <a:fontRef idx="minor">
+            <a:schemeClr val="lt1"/>
+          </a:fontRef>
+        </p:style>
+        <p:txBody>
+          <a:bodyPr rtlCol="0" anchor="ctr"/>
+          <a:lstStyle/>
+          <a:p>
+            <a:pPr algn="ctr"/>
+            <a:r>
+              <a:rPr lang="en-US" sz="2400" b="1" dirty="0"/>
+              <a:t>Characteristics</a:t>
+            </a:r>
+            <a:endParaRPr lang="en-US" b="1" dirty="0"/>
+          </a:p>
+          <a:p>
+            <a:r>
+              <a:rPr lang="en-US" dirty="0"/>
+              <a:t>Name : </a:t>
+            </a:r>
+            <a:r>
+              <a:rPr lang="en-US" dirty="0" err="1"/>
+              <a:t>panchsheel</a:t>
+            </a:r>
+            <a:r>
+              <a:rPr lang="en-US" dirty="0"/>
+              <a:t> </a:t>
+            </a:r>
+          </a:p>
+          <a:p>
+            <a:r>
+              <a:rPr lang="en-US" dirty="0"/>
+              <a:t>No. of flats : 70</a:t>
+            </a:r>
+          </a:p>
+          <a:p>
+            <a:r>
+              <a:rPr lang="en-US" dirty="0"/>
+              <a:t>No. of rooms : 170</a:t>
+            </a:r>
+          </a:p>
+        </p:txBody>
+      </p:sp>
+    </p:spTree>
+    <p:extLst>
+      <p:ext uri="{BB962C8B-B14F-4D97-AF65-F5344CB8AC3E}">
+        <p14:creationId xmlns:p14="http://schemas.microsoft.com/office/powerpoint/2010/main" val="1338261586"/>
+      </p:ext>
+    </p:extLst>
+  </p:cSld>
+  <p:clrMapOvr>
+    <a:masterClrMapping/>
+  </p:clrMapOvr>
+</p:sld>
+</file>
+
+<file path=ppt/slides/slide16.xml><?xml version="1.0" encoding="utf-8"?>
+<p:sld xmlns:a="http://schemas.openxmlformats.org/drawingml/2006/main" xmlns:r="http://schemas.openxmlformats.org/officeDocument/2006/relationships" xmlns:p="http://schemas.openxmlformats.org/presentationml/2006/main">
+  <p:cSld>
+    <p:spTree>
+      <p:nvGrpSpPr>
+        <p:cNvPr id="1" name=""/>
+        <p:cNvGrpSpPr/>
+        <p:nvPr/>
+      </p:nvGrpSpPr>
+      <p:grpSpPr>
+        <a:xfrm>
+          <a:off x="0" y="0"/>
+          <a:ext cx="0" cy="0"/>
+          <a:chOff x="0" y="0"/>
+          <a:chExt cx="0" cy="0"/>
+        </a:xfrm>
+      </p:grpSpPr>
+      <p:pic>
+        <p:nvPicPr>
+          <p:cNvPr id="2" name="Picture 1">
+            <a:extLst>
+              <a:ext uri="{FF2B5EF4-FFF2-40B4-BE49-F238E27FC236}">
+                <a16:creationId xmlns:a16="http://schemas.microsoft.com/office/drawing/2014/main" id="{5F0D37A7-E7A8-4B73-8C7E-4A7A8E77942C}"/>
+              </a:ext>
+            </a:extLst>
+          </p:cNvPr>
+          <p:cNvPicPr>
+            <a:picLocks noChangeAspect="1"/>
+          </p:cNvPicPr>
+          <p:nvPr/>
+        </p:nvPicPr>
+        <p:blipFill>
+          <a:blip r:embed="rId2"/>
+          <a:stretch>
+            <a:fillRect/>
+          </a:stretch>
+        </p:blipFill>
+        <p:spPr>
+          <a:xfrm>
+            <a:off x="2105615" y="0"/>
+            <a:ext cx="7980770" cy="6858000"/>
+          </a:xfrm>
+          <a:prstGeom prst="rect">
+            <a:avLst/>
+          </a:prstGeom>
+        </p:spPr>
+      </p:pic>
+      <p:cxnSp>
+        <p:nvCxnSpPr>
+          <p:cNvPr id="4" name="Straight Connector 3">
+            <a:extLst>
+              <a:ext uri="{FF2B5EF4-FFF2-40B4-BE49-F238E27FC236}">
+                <a16:creationId xmlns:a16="http://schemas.microsoft.com/office/drawing/2014/main" id="{47BEAD13-465A-483B-97CE-E6B114660073}"/>
+              </a:ext>
+            </a:extLst>
+          </p:cNvPr>
+          <p:cNvCxnSpPr/>
+          <p:nvPr/>
+        </p:nvCxnSpPr>
+        <p:spPr>
+          <a:xfrm>
+            <a:off x="2405849" y="470517"/>
+            <a:ext cx="7430609" cy="0"/>
+          </a:xfrm>
+          <a:prstGeom prst="line">
+            <a:avLst/>
+          </a:prstGeom>
+        </p:spPr>
+        <p:style>
+          <a:lnRef idx="3">
+            <a:schemeClr val="accent1"/>
+          </a:lnRef>
+          <a:fillRef idx="0">
+            <a:schemeClr val="accent1"/>
+          </a:fillRef>
+          <a:effectRef idx="2">
+            <a:schemeClr val="accent1"/>
+          </a:effectRef>
+          <a:fontRef idx="minor">
+            <a:schemeClr val="tx1"/>
+          </a:fontRef>
+        </p:style>
+      </p:cxnSp>
+      <p:cxnSp>
+        <p:nvCxnSpPr>
+          <p:cNvPr id="6" name="Straight Connector 5">
+            <a:extLst>
+              <a:ext uri="{FF2B5EF4-FFF2-40B4-BE49-F238E27FC236}">
+                <a16:creationId xmlns:a16="http://schemas.microsoft.com/office/drawing/2014/main" id="{4C312DEC-5D07-4F85-A045-D66CDE50C759}"/>
+              </a:ext>
+            </a:extLst>
+          </p:cNvPr>
+          <p:cNvCxnSpPr/>
+          <p:nvPr/>
+        </p:nvCxnSpPr>
+        <p:spPr>
+          <a:xfrm>
+            <a:off x="9836458" y="470517"/>
+            <a:ext cx="0" cy="2148396"/>
+          </a:xfrm>
+          <a:prstGeom prst="line">
+            <a:avLst/>
+          </a:prstGeom>
+        </p:spPr>
+        <p:style>
+          <a:lnRef idx="3">
+            <a:schemeClr val="accent1"/>
+          </a:lnRef>
+          <a:fillRef idx="0">
+            <a:schemeClr val="accent1"/>
+          </a:fillRef>
+          <a:effectRef idx="2">
+            <a:schemeClr val="accent1"/>
+          </a:effectRef>
+          <a:fontRef idx="minor">
+            <a:schemeClr val="tx1"/>
+          </a:fontRef>
+        </p:style>
+      </p:cxnSp>
+      <p:cxnSp>
+        <p:nvCxnSpPr>
+          <p:cNvPr id="8" name="Straight Connector 7">
+            <a:extLst>
+              <a:ext uri="{FF2B5EF4-FFF2-40B4-BE49-F238E27FC236}">
+                <a16:creationId xmlns:a16="http://schemas.microsoft.com/office/drawing/2014/main" id="{FF19ACB8-ABE1-42BF-90C4-0CD3F3F31955}"/>
+              </a:ext>
+            </a:extLst>
+          </p:cNvPr>
+          <p:cNvCxnSpPr/>
+          <p:nvPr/>
+        </p:nvCxnSpPr>
+        <p:spPr>
+          <a:xfrm>
+            <a:off x="2405849" y="470517"/>
+            <a:ext cx="0" cy="2130640"/>
+          </a:xfrm>
+          <a:prstGeom prst="line">
+            <a:avLst/>
+          </a:prstGeom>
+        </p:spPr>
+        <p:style>
+          <a:lnRef idx="3">
+            <a:schemeClr val="accent1"/>
+          </a:lnRef>
+          <a:fillRef idx="0">
+            <a:schemeClr val="accent1"/>
+          </a:fillRef>
+          <a:effectRef idx="2">
+            <a:schemeClr val="accent1"/>
+          </a:effectRef>
+          <a:fontRef idx="minor">
+            <a:schemeClr val="tx1"/>
+          </a:fontRef>
+        </p:style>
+      </p:cxnSp>
+      <p:cxnSp>
+        <p:nvCxnSpPr>
+          <p:cNvPr id="10" name="Straight Connector 9">
+            <a:extLst>
+              <a:ext uri="{FF2B5EF4-FFF2-40B4-BE49-F238E27FC236}">
+                <a16:creationId xmlns:a16="http://schemas.microsoft.com/office/drawing/2014/main" id="{8223358C-CC36-4C4C-A7EC-94A60DD9628E}"/>
+              </a:ext>
+            </a:extLst>
+          </p:cNvPr>
+          <p:cNvCxnSpPr/>
+          <p:nvPr/>
+        </p:nvCxnSpPr>
+        <p:spPr>
+          <a:xfrm>
+            <a:off x="2405849" y="2618913"/>
+            <a:ext cx="7430609" cy="0"/>
+          </a:xfrm>
+          <a:prstGeom prst="line">
+            <a:avLst/>
+          </a:prstGeom>
+        </p:spPr>
+        <p:style>
+          <a:lnRef idx="3">
+            <a:schemeClr val="accent1"/>
+          </a:lnRef>
+          <a:fillRef idx="0">
+            <a:schemeClr val="accent1"/>
+          </a:fillRef>
+          <a:effectRef idx="2">
+            <a:schemeClr val="accent1"/>
+          </a:effectRef>
+          <a:fontRef idx="minor">
+            <a:schemeClr val="tx1"/>
+          </a:fontRef>
+        </p:style>
+      </p:cxnSp>
+      <p:sp>
+        <p:nvSpPr>
+          <p:cNvPr id="11" name="TextBox 10">
+            <a:extLst>
+              <a:ext uri="{FF2B5EF4-FFF2-40B4-BE49-F238E27FC236}">
+                <a16:creationId xmlns:a16="http://schemas.microsoft.com/office/drawing/2014/main" id="{7354D914-B0F8-41E3-92B3-E9EE3E0780DB}"/>
+              </a:ext>
+            </a:extLst>
+          </p:cNvPr>
+          <p:cNvSpPr txBox="1"/>
+          <p:nvPr/>
+        </p:nvSpPr>
+        <p:spPr>
+          <a:xfrm>
+            <a:off x="150920" y="665825"/>
+            <a:ext cx="1704769" cy="369332"/>
+          </a:xfrm>
+          <a:prstGeom prst="rect">
+            <a:avLst/>
+          </a:prstGeom>
+          <a:noFill/>
+        </p:spPr>
+        <p:txBody>
+          <a:bodyPr wrap="square" rtlCol="0">
+            <a:spAutoFit/>
+          </a:bodyPr>
+          <a:lstStyle/>
+          <a:p>
+            <a:r>
+              <a:rPr lang="en-US" dirty="0" err="1"/>
+              <a:t>Charateristics</a:t>
+            </a:r>
+            <a:endParaRPr lang="en-US" dirty="0"/>
+          </a:p>
+        </p:txBody>
+      </p:sp>
+      <p:sp>
+        <p:nvSpPr>
+          <p:cNvPr id="12" name="TextBox 11">
+            <a:extLst>
+              <a:ext uri="{FF2B5EF4-FFF2-40B4-BE49-F238E27FC236}">
+                <a16:creationId xmlns:a16="http://schemas.microsoft.com/office/drawing/2014/main" id="{A6F6A882-FFD7-480D-8590-557CF37E31F1}"/>
+              </a:ext>
+            </a:extLst>
+          </p:cNvPr>
+          <p:cNvSpPr txBox="1"/>
+          <p:nvPr/>
+        </p:nvSpPr>
+        <p:spPr>
+          <a:xfrm>
+            <a:off x="150920" y="1846555"/>
+            <a:ext cx="1890944" cy="369332"/>
+          </a:xfrm>
+          <a:prstGeom prst="rect">
+            <a:avLst/>
+          </a:prstGeom>
+          <a:noFill/>
+        </p:spPr>
+        <p:txBody>
+          <a:bodyPr wrap="square" rtlCol="0">
+            <a:spAutoFit/>
+          </a:bodyPr>
+          <a:lstStyle/>
+          <a:p>
+            <a:r>
+              <a:rPr lang="en-US" dirty="0" err="1"/>
+              <a:t>Behaviour</a:t>
+            </a:r>
+            <a:endParaRPr lang="en-US" dirty="0"/>
+          </a:p>
+        </p:txBody>
+      </p:sp>
+      <p:cxnSp>
+        <p:nvCxnSpPr>
+          <p:cNvPr id="14" name="Straight Arrow Connector 13">
+            <a:extLst>
+              <a:ext uri="{FF2B5EF4-FFF2-40B4-BE49-F238E27FC236}">
+                <a16:creationId xmlns:a16="http://schemas.microsoft.com/office/drawing/2014/main" id="{0F83A160-2FCD-4C06-9487-93936FC487FE}"/>
+              </a:ext>
+            </a:extLst>
+          </p:cNvPr>
+          <p:cNvCxnSpPr>
+            <a:stCxn id="11" idx="3"/>
+          </p:cNvCxnSpPr>
+          <p:nvPr/>
+        </p:nvCxnSpPr>
+        <p:spPr>
+          <a:xfrm>
+            <a:off x="1855689" y="850491"/>
+            <a:ext cx="754346" cy="90542"/>
+          </a:xfrm>
+          <a:prstGeom prst="straightConnector1">
+            <a:avLst/>
+          </a:prstGeom>
+          <a:ln>
+            <a:tailEnd type="triangle"/>
+          </a:ln>
+        </p:spPr>
+        <p:style>
+          <a:lnRef idx="3">
+            <a:schemeClr val="dk1"/>
+          </a:lnRef>
+          <a:fillRef idx="0">
+            <a:schemeClr val="dk1"/>
+          </a:fillRef>
+          <a:effectRef idx="2">
+            <a:schemeClr val="dk1"/>
+          </a:effectRef>
+          <a:fontRef idx="minor">
+            <a:schemeClr val="tx1"/>
+          </a:fontRef>
+        </p:style>
+      </p:cxnSp>
+      <p:cxnSp>
+        <p:nvCxnSpPr>
+          <p:cNvPr id="15" name="Straight Arrow Connector 14">
+            <a:extLst>
+              <a:ext uri="{FF2B5EF4-FFF2-40B4-BE49-F238E27FC236}">
+                <a16:creationId xmlns:a16="http://schemas.microsoft.com/office/drawing/2014/main" id="{57BFD570-15DC-4665-A388-05E9E0C40903}"/>
+              </a:ext>
+            </a:extLst>
+          </p:cNvPr>
+          <p:cNvCxnSpPr>
+            <a:cxnSpLocks/>
+          </p:cNvCxnSpPr>
+          <p:nvPr/>
+        </p:nvCxnSpPr>
+        <p:spPr>
+          <a:xfrm flipV="1">
+            <a:off x="1491449" y="1969077"/>
+            <a:ext cx="1118586" cy="90542"/>
+          </a:xfrm>
+          <a:prstGeom prst="straightConnector1">
+            <a:avLst/>
+          </a:prstGeom>
+          <a:ln>
+            <a:tailEnd type="triangle"/>
+          </a:ln>
+        </p:spPr>
+        <p:style>
+          <a:lnRef idx="3">
+            <a:schemeClr val="dk1"/>
+          </a:lnRef>
+          <a:fillRef idx="0">
+            <a:schemeClr val="dk1"/>
+          </a:fillRef>
+          <a:effectRef idx="2">
+            <a:schemeClr val="dk1"/>
+          </a:effectRef>
+          <a:fontRef idx="minor">
+            <a:schemeClr val="tx1"/>
+          </a:fontRef>
+        </p:style>
+      </p:cxnSp>
+    </p:spTree>
+    <p:extLst>
+      <p:ext uri="{BB962C8B-B14F-4D97-AF65-F5344CB8AC3E}">
+        <p14:creationId xmlns:p14="http://schemas.microsoft.com/office/powerpoint/2010/main" val="2661579848"/>
+      </p:ext>
+    </p:extLst>
+  </p:cSld>
+  <p:clrMapOvr>
+    <a:masterClrMapping/>
+  </p:clrMapOvr>
+</p:sld>
+</file>
+
+<file path=ppt/slides/slide17.xml><?xml version="1.0" encoding="utf-8"?>
+<p:sld xmlns:a="http://schemas.openxmlformats.org/drawingml/2006/main" xmlns:r="http://schemas.openxmlformats.org/officeDocument/2006/relationships" xmlns:p="http://schemas.openxmlformats.org/presentationml/2006/main">
+  <p:cSld>
+    <p:spTree>
+      <p:nvGrpSpPr>
+        <p:cNvPr id="1" name=""/>
+        <p:cNvGrpSpPr/>
+        <p:nvPr/>
+      </p:nvGrpSpPr>
+      <p:grpSpPr>
+        <a:xfrm>
+          <a:off x="0" y="0"/>
+          <a:ext cx="0" cy="0"/>
+          <a:chOff x="0" y="0"/>
+          <a:chExt cx="0" cy="0"/>
+        </a:xfrm>
+      </p:grpSpPr>
+      <p:sp>
+        <p:nvSpPr>
+          <p:cNvPr id="3" name="Title 2">
+            <a:extLst>
+              <a:ext uri="{FF2B5EF4-FFF2-40B4-BE49-F238E27FC236}">
+                <a16:creationId xmlns:a16="http://schemas.microsoft.com/office/drawing/2014/main" id="{9324D5F6-E03F-4367-90F3-DBB4D9B66534}"/>
+              </a:ext>
+            </a:extLst>
+          </p:cNvPr>
+          <p:cNvSpPr>
+            <a:spLocks noGrp="1"/>
+          </p:cNvSpPr>
+          <p:nvPr>
+            <p:ph type="title"/>
+          </p:nvPr>
+        </p:nvSpPr>
+        <p:spPr/>
+        <p:txBody>
+          <a:bodyPr/>
+          <a:lstStyle/>
+          <a:p>
+            <a:r>
+              <a:rPr lang="en-US" dirty="0">
+                <a:sym typeface="Wingdings" panose="05000000000000000000" pitchFamily="2" charset="2"/>
+              </a:rPr>
+              <a:t>Features of Oops:</a:t>
+            </a:r>
+            <a:br>
+              <a:rPr lang="en-US" dirty="0">
+                <a:sym typeface="Wingdings" panose="05000000000000000000" pitchFamily="2" charset="2"/>
+              </a:rPr>
+            </a:br>
+            <a:br>
+              <a:rPr lang="en-US" dirty="0">
+                <a:sym typeface="Wingdings" panose="05000000000000000000" pitchFamily="2" charset="2"/>
+              </a:rPr>
+            </a:br>
+            <a:endParaRPr lang="en-US" dirty="0"/>
+          </a:p>
+        </p:txBody>
+      </p:sp>
+      <p:sp>
+        <p:nvSpPr>
+          <p:cNvPr id="4" name="Content Placeholder 3">
+            <a:extLst>
+              <a:ext uri="{FF2B5EF4-FFF2-40B4-BE49-F238E27FC236}">
+                <a16:creationId xmlns:a16="http://schemas.microsoft.com/office/drawing/2014/main" id="{50E8FCE3-5B75-47D9-924D-A1D7A8055E12}"/>
+              </a:ext>
+            </a:extLst>
+          </p:cNvPr>
+          <p:cNvSpPr>
+            <a:spLocks noGrp="1"/>
+          </p:cNvSpPr>
+          <p:nvPr>
+            <p:ph idx="1"/>
+          </p:nvPr>
+        </p:nvSpPr>
+        <p:spPr/>
+        <p:txBody>
+          <a:bodyPr/>
+          <a:lstStyle/>
+          <a:p>
+            <a:pPr>
+              <a:buFont typeface="Wingdings" panose="05000000000000000000" pitchFamily="2" charset="2"/>
+              <a:buChar char="v"/>
+            </a:pPr>
+            <a:r>
+              <a:rPr lang="en-US" dirty="0">
+                <a:sym typeface="Wingdings" panose="05000000000000000000" pitchFamily="2" charset="2"/>
+              </a:rPr>
+              <a:t>Classes</a:t>
+            </a:r>
+          </a:p>
+          <a:p>
+            <a:pPr>
+              <a:buFont typeface="Wingdings" panose="05000000000000000000" pitchFamily="2" charset="2"/>
+              <a:buChar char="v"/>
+            </a:pPr>
+            <a:r>
+              <a:rPr lang="en-US" dirty="0">
+                <a:sym typeface="Wingdings" panose="05000000000000000000" pitchFamily="2" charset="2"/>
+              </a:rPr>
+              <a:t>Objects</a:t>
+            </a:r>
+          </a:p>
+          <a:p>
+            <a:pPr>
+              <a:buFont typeface="Wingdings" panose="05000000000000000000" pitchFamily="2" charset="2"/>
+              <a:buChar char="v"/>
+            </a:pPr>
+            <a:r>
+              <a:rPr lang="en-US" dirty="0">
+                <a:sym typeface="Wingdings" panose="05000000000000000000" pitchFamily="2" charset="2"/>
+              </a:rPr>
+              <a:t>Data Abstraction</a:t>
+            </a:r>
+          </a:p>
+          <a:p>
+            <a:pPr>
+              <a:buFont typeface="Wingdings" panose="05000000000000000000" pitchFamily="2" charset="2"/>
+              <a:buChar char="v"/>
+            </a:pPr>
+            <a:r>
+              <a:rPr lang="en-US" dirty="0">
+                <a:sym typeface="Wingdings" panose="05000000000000000000" pitchFamily="2" charset="2"/>
+              </a:rPr>
+              <a:t>Encapsulation</a:t>
+            </a:r>
+          </a:p>
+          <a:p>
+            <a:pPr>
+              <a:buFont typeface="Wingdings" panose="05000000000000000000" pitchFamily="2" charset="2"/>
+              <a:buChar char="v"/>
+            </a:pPr>
+            <a:r>
+              <a:rPr lang="en-US" dirty="0">
+                <a:sym typeface="Wingdings" panose="05000000000000000000" pitchFamily="2" charset="2"/>
+              </a:rPr>
+              <a:t>Inheritance</a:t>
+            </a:r>
+          </a:p>
+          <a:p>
+            <a:pPr>
+              <a:buFont typeface="Wingdings" panose="05000000000000000000" pitchFamily="2" charset="2"/>
+              <a:buChar char="v"/>
+            </a:pPr>
+            <a:r>
+              <a:rPr lang="en-US" dirty="0">
+                <a:sym typeface="Wingdings" panose="05000000000000000000" pitchFamily="2" charset="2"/>
+              </a:rPr>
+              <a:t> polymorphism </a:t>
+            </a:r>
+          </a:p>
+          <a:p>
+            <a:pPr>
+              <a:buFont typeface="Wingdings" panose="05000000000000000000" pitchFamily="2" charset="2"/>
+              <a:buChar char="v"/>
+            </a:pPr>
+            <a:r>
+              <a:rPr lang="en-US" dirty="0">
+                <a:sym typeface="Wingdings" panose="05000000000000000000" pitchFamily="2" charset="2"/>
+              </a:rPr>
+              <a:t>Dynamic Binding</a:t>
+            </a:r>
+            <a:endParaRPr lang="en-US" dirty="0"/>
+          </a:p>
+        </p:txBody>
+      </p:sp>
+      <p:sp>
+        <p:nvSpPr>
+          <p:cNvPr id="5" name="Star: 5 Points 4">
+            <a:extLst>
+              <a:ext uri="{FF2B5EF4-FFF2-40B4-BE49-F238E27FC236}">
+                <a16:creationId xmlns:a16="http://schemas.microsoft.com/office/drawing/2014/main" id="{A94486B5-347E-4CE4-AC45-BD11909E8EF3}"/>
+              </a:ext>
+            </a:extLst>
+          </p:cNvPr>
+          <p:cNvSpPr/>
+          <p:nvPr/>
+        </p:nvSpPr>
+        <p:spPr>
+          <a:xfrm>
+            <a:off x="2840854" y="2201662"/>
+            <a:ext cx="177554" cy="142043"/>
+          </a:xfrm>
+          <a:prstGeom prst="star5">
+            <a:avLst/>
+          </a:prstGeom>
+        </p:spPr>
+        <p:style>
+          <a:lnRef idx="2">
+            <a:schemeClr val="accent1">
+              <a:shade val="50000"/>
+            </a:schemeClr>
+          </a:lnRef>
+          <a:fillRef idx="1">
+            <a:schemeClr val="accent1"/>
+          </a:fillRef>
+          <a:effectRef idx="0">
+            <a:schemeClr val="accent1"/>
+          </a:effectRef>
+          <a:fontRef idx="minor">
+            <a:schemeClr val="lt1"/>
+          </a:fontRef>
+        </p:style>
+        <p:txBody>
+          <a:bodyPr rtlCol="0" anchor="ctr"/>
+          <a:lstStyle/>
+          <a:p>
+            <a:pPr algn="ctr"/>
+            <a:endParaRPr lang="en-US"/>
+          </a:p>
+        </p:txBody>
+      </p:sp>
+      <p:sp>
+        <p:nvSpPr>
+          <p:cNvPr id="6" name="Star: 5 Points 5">
+            <a:extLst>
+              <a:ext uri="{FF2B5EF4-FFF2-40B4-BE49-F238E27FC236}">
+                <a16:creationId xmlns:a16="http://schemas.microsoft.com/office/drawing/2014/main" id="{DAFDE334-C6F5-4F96-A5F7-A10C7ACBD352}"/>
+              </a:ext>
+            </a:extLst>
+          </p:cNvPr>
+          <p:cNvSpPr/>
+          <p:nvPr/>
+        </p:nvSpPr>
+        <p:spPr>
+          <a:xfrm>
+            <a:off x="2840854" y="2594465"/>
+            <a:ext cx="177554" cy="142043"/>
+          </a:xfrm>
+          <a:prstGeom prst="star5">
+            <a:avLst/>
+          </a:prstGeom>
+        </p:spPr>
+        <p:style>
+          <a:lnRef idx="2">
+            <a:schemeClr val="accent1">
+              <a:shade val="50000"/>
+            </a:schemeClr>
+          </a:lnRef>
+          <a:fillRef idx="1">
+            <a:schemeClr val="accent1"/>
+          </a:fillRef>
+          <a:effectRef idx="0">
+            <a:schemeClr val="accent1"/>
+          </a:effectRef>
+          <a:fontRef idx="minor">
+            <a:schemeClr val="lt1"/>
+          </a:fontRef>
+        </p:style>
+        <p:txBody>
+          <a:bodyPr rtlCol="0" anchor="ctr"/>
+          <a:lstStyle/>
+          <a:p>
+            <a:pPr algn="ctr"/>
+            <a:endParaRPr lang="en-US"/>
+          </a:p>
+        </p:txBody>
+      </p:sp>
+    </p:spTree>
+    <p:extLst>
+      <p:ext uri="{BB962C8B-B14F-4D97-AF65-F5344CB8AC3E}">
+        <p14:creationId xmlns:p14="http://schemas.microsoft.com/office/powerpoint/2010/main" val="2409494382"/>
+      </p:ext>
+    </p:extLst>
+  </p:cSld>
+  <p:clrMapOvr>
+    <a:masterClrMapping/>
+  </p:clrMapOvr>
+</p:sld>
+</file>
+
+<file path=ppt/slides/slide18.xml><?xml version="1.0" encoding="utf-8"?>
+<p:sld xmlns:a="http://schemas.openxmlformats.org/drawingml/2006/main" xmlns:r="http://schemas.openxmlformats.org/officeDocument/2006/relationships" xmlns:p="http://schemas.openxmlformats.org/presentationml/2006/main">
+  <p:cSld>
+    <p:spTree>
+      <p:nvGrpSpPr>
+        <p:cNvPr id="1" name=""/>
+        <p:cNvGrpSpPr/>
+        <p:nvPr/>
+      </p:nvGrpSpPr>
+      <p:grpSpPr>
+        <a:xfrm>
+          <a:off x="0" y="0"/>
+          <a:ext cx="0" cy="0"/>
+          <a:chOff x="0" y="0"/>
+          <a:chExt cx="0" cy="0"/>
+        </a:xfrm>
+      </p:grpSpPr>
+      <p:sp>
+        <p:nvSpPr>
+          <p:cNvPr id="2" name="Title 1">
+            <a:extLst>
+              <a:ext uri="{FF2B5EF4-FFF2-40B4-BE49-F238E27FC236}">
+                <a16:creationId xmlns:a16="http://schemas.microsoft.com/office/drawing/2014/main" id="{CA332F94-8D03-44CD-A0E8-229CA1AF4178}"/>
+              </a:ext>
+            </a:extLst>
+          </p:cNvPr>
+          <p:cNvSpPr>
+            <a:spLocks noGrp="1"/>
+          </p:cNvSpPr>
+          <p:nvPr>
+            <p:ph type="title"/>
+          </p:nvPr>
+        </p:nvSpPr>
+        <p:spPr>
+          <a:xfrm>
+            <a:off x="1575392" y="572612"/>
+            <a:ext cx="9404723" cy="1400530"/>
+          </a:xfrm>
+        </p:spPr>
+        <p:txBody>
+          <a:bodyPr/>
+          <a:lstStyle/>
+          <a:p>
+            <a:pPr algn="ctr"/>
+            <a:r>
+              <a:rPr lang="en-US" dirty="0"/>
+              <a:t>Journey Ahead</a:t>
+            </a:r>
+          </a:p>
+        </p:txBody>
+      </p:sp>
+      <p:graphicFrame>
+        <p:nvGraphicFramePr>
+          <p:cNvPr id="4" name="Table 4">
+            <a:extLst>
+              <a:ext uri="{FF2B5EF4-FFF2-40B4-BE49-F238E27FC236}">
+                <a16:creationId xmlns:a16="http://schemas.microsoft.com/office/drawing/2014/main" id="{86A30A71-F387-4F14-B0D1-9C859CA61C4F}"/>
+              </a:ext>
+            </a:extLst>
+          </p:cNvPr>
+          <p:cNvGraphicFramePr>
+            <a:graphicFrameLocks noGrp="1"/>
+          </p:cNvGraphicFramePr>
+          <p:nvPr>
+            <p:ph idx="1"/>
+            <p:extLst>
+              <p:ext uri="{D42A27DB-BD31-4B8C-83A1-F6EECF244321}">
+                <p14:modId xmlns:p14="http://schemas.microsoft.com/office/powerpoint/2010/main" val="83980027"/>
+              </p:ext>
+            </p:extLst>
+          </p:nvPr>
+        </p:nvGraphicFramePr>
+        <p:xfrm>
+          <a:off x="921558" y="1626510"/>
+          <a:ext cx="10348884" cy="4504150"/>
+        </p:xfrm>
+        <a:graphic>
+          <a:graphicData uri="http://schemas.openxmlformats.org/drawingml/2006/table">
+            <a:tbl>
+              <a:tblPr firstRow="1" bandRow="1">
+                <a:tableStyleId>{5C22544A-7EE6-4342-B048-85BDC9FD1C3A}</a:tableStyleId>
+              </a:tblPr>
+              <a:tblGrid>
+                <a:gridCol w="1478412">
+                  <a:extLst>
+                    <a:ext uri="{9D8B030D-6E8A-4147-A177-3AD203B41FA5}">
+                      <a16:colId xmlns:a16="http://schemas.microsoft.com/office/drawing/2014/main" val="2399130994"/>
+                    </a:ext>
+                  </a:extLst>
+                </a:gridCol>
+                <a:gridCol w="1478412">
+                  <a:extLst>
+                    <a:ext uri="{9D8B030D-6E8A-4147-A177-3AD203B41FA5}">
+                      <a16:colId xmlns:a16="http://schemas.microsoft.com/office/drawing/2014/main" val="3771946940"/>
+                    </a:ext>
+                  </a:extLst>
+                </a:gridCol>
+                <a:gridCol w="1478412">
+                  <a:extLst>
+                    <a:ext uri="{9D8B030D-6E8A-4147-A177-3AD203B41FA5}">
+                      <a16:colId xmlns:a16="http://schemas.microsoft.com/office/drawing/2014/main" val="1523772299"/>
+                    </a:ext>
+                  </a:extLst>
+                </a:gridCol>
+                <a:gridCol w="1478412">
+                  <a:extLst>
+                    <a:ext uri="{9D8B030D-6E8A-4147-A177-3AD203B41FA5}">
+                      <a16:colId xmlns:a16="http://schemas.microsoft.com/office/drawing/2014/main" val="1659767355"/>
+                    </a:ext>
+                  </a:extLst>
+                </a:gridCol>
+                <a:gridCol w="1478412">
+                  <a:extLst>
+                    <a:ext uri="{9D8B030D-6E8A-4147-A177-3AD203B41FA5}">
+                      <a16:colId xmlns:a16="http://schemas.microsoft.com/office/drawing/2014/main" val="1850395467"/>
+                    </a:ext>
+                  </a:extLst>
+                </a:gridCol>
+                <a:gridCol w="1478412">
+                  <a:extLst>
+                    <a:ext uri="{9D8B030D-6E8A-4147-A177-3AD203B41FA5}">
+                      <a16:colId xmlns:a16="http://schemas.microsoft.com/office/drawing/2014/main" val="558417929"/>
+                    </a:ext>
+                  </a:extLst>
+                </a:gridCol>
+                <a:gridCol w="1478412">
+                  <a:extLst>
+                    <a:ext uri="{9D8B030D-6E8A-4147-A177-3AD203B41FA5}">
+                      <a16:colId xmlns:a16="http://schemas.microsoft.com/office/drawing/2014/main" val="2688724471"/>
+                    </a:ext>
+                  </a:extLst>
+                </a:gridCol>
+              </a:tblGrid>
+              <a:tr h="846550">
+                <a:tc>
+                  <a:txBody>
+                    <a:bodyPr/>
+                    <a:lstStyle/>
+                    <a:p>
+                      <a:r>
+                        <a:rPr lang="en-US" dirty="0"/>
+                        <a:t>        Days</a:t>
+                      </a:r>
+                    </a:p>
+                    <a:p>
+                      <a:endParaRPr lang="en-US" dirty="0"/>
+                    </a:p>
+                    <a:p>
+                      <a:r>
+                        <a:rPr lang="en-US" dirty="0"/>
+                        <a:t>Weeks</a:t>
+                      </a:r>
+                    </a:p>
+                  </a:txBody>
+                  <a:tcPr/>
+                </a:tc>
+                <a:tc>
+                  <a:txBody>
+                    <a:bodyPr/>
+                    <a:lstStyle/>
+                    <a:p>
+                      <a:pPr algn="ctr"/>
+                      <a:r>
+                        <a:rPr lang="en-US" dirty="0"/>
+                        <a:t>1</a:t>
+                      </a:r>
+                    </a:p>
+                  </a:txBody>
+                  <a:tcPr/>
+                </a:tc>
+                <a:tc>
+                  <a:txBody>
+                    <a:bodyPr/>
+                    <a:lstStyle/>
+                    <a:p>
+                      <a:pPr algn="ctr"/>
+                      <a:r>
+                        <a:rPr lang="en-US" dirty="0"/>
+                        <a:t>2</a:t>
+                      </a:r>
+                    </a:p>
+                  </a:txBody>
+                  <a:tcPr/>
+                </a:tc>
+                <a:tc>
+                  <a:txBody>
+                    <a:bodyPr/>
+                    <a:lstStyle/>
+                    <a:p>
+                      <a:pPr algn="ctr"/>
+                      <a:r>
+                        <a:rPr lang="en-US" dirty="0"/>
+                        <a:t>3</a:t>
+                      </a:r>
+                    </a:p>
+                  </a:txBody>
+                  <a:tcPr/>
+                </a:tc>
+                <a:tc>
+                  <a:txBody>
+                    <a:bodyPr/>
+                    <a:lstStyle/>
+                    <a:p>
+                      <a:pPr algn="ctr"/>
+                      <a:r>
+                        <a:rPr lang="en-US" dirty="0"/>
+                        <a:t>4</a:t>
+                      </a:r>
+                    </a:p>
+                  </a:txBody>
+                  <a:tcPr/>
+                </a:tc>
+                <a:tc>
+                  <a:txBody>
+                    <a:bodyPr/>
+                    <a:lstStyle/>
+                    <a:p>
+                      <a:pPr algn="ctr"/>
+                      <a:r>
+                        <a:rPr lang="en-US" dirty="0"/>
+                        <a:t>5</a:t>
+                      </a:r>
+                    </a:p>
+                  </a:txBody>
+                  <a:tcPr/>
+                </a:tc>
+                <a:tc>
+                  <a:txBody>
+                    <a:bodyPr/>
+                    <a:lstStyle/>
+                    <a:p>
+                      <a:pPr algn="ctr"/>
+                      <a:r>
+                        <a:rPr lang="en-US" dirty="0"/>
+                        <a:t>6</a:t>
+                      </a:r>
+                    </a:p>
+                  </a:txBody>
+                  <a:tcPr/>
+                </a:tc>
+                <a:extLst>
+                  <a:ext uri="{0D108BD9-81ED-4DB2-BD59-A6C34878D82A}">
+                    <a16:rowId xmlns:a16="http://schemas.microsoft.com/office/drawing/2014/main" val="2530680650"/>
+                  </a:ext>
+                </a:extLst>
+              </a:tr>
+              <a:tr h="846550">
+                <a:tc>
+                  <a:txBody>
+                    <a:bodyPr/>
+                    <a:lstStyle/>
+                    <a:p>
+                      <a:r>
+                        <a:rPr lang="en-US" dirty="0"/>
+                        <a:t>Week 1</a:t>
+                      </a:r>
+                    </a:p>
+                  </a:txBody>
+                  <a:tcPr/>
+                </a:tc>
+                <a:tc>
+                  <a:txBody>
+                    <a:bodyPr/>
+                    <a:lstStyle/>
+                    <a:p>
+                      <a:pPr algn="ctr"/>
+                      <a:r>
+                        <a:rPr lang="en-US" dirty="0"/>
+                        <a:t>Variables and </a:t>
+                      </a:r>
+                    </a:p>
+                    <a:p>
+                      <a:pPr algn="ctr"/>
+                      <a:r>
+                        <a:rPr lang="en-US" dirty="0"/>
+                        <a:t>Data Types</a:t>
+                      </a:r>
+                    </a:p>
+                  </a:txBody>
+                  <a:tcPr/>
+                </a:tc>
+                <a:tc>
+                  <a:txBody>
+                    <a:bodyPr/>
+                    <a:lstStyle/>
+                    <a:p>
+                      <a:pPr algn="ctr"/>
+                      <a:r>
+                        <a:rPr lang="en-US" dirty="0"/>
+                        <a:t>Operators </a:t>
+                      </a:r>
+                    </a:p>
+                  </a:txBody>
+                  <a:tcPr/>
+                </a:tc>
+                <a:tc>
+                  <a:txBody>
+                    <a:bodyPr/>
+                    <a:lstStyle/>
+                    <a:p>
+                      <a:pPr algn="ctr"/>
+                      <a:r>
+                        <a:rPr lang="en-US" dirty="0"/>
+                        <a:t>Conditional</a:t>
+                      </a:r>
+                    </a:p>
+                    <a:p>
+                      <a:pPr algn="ctr"/>
+                      <a:r>
+                        <a:rPr lang="en-US" dirty="0"/>
+                        <a:t>If- else &amp; nesting </a:t>
+                      </a:r>
+                    </a:p>
+                  </a:txBody>
+                  <a:tcPr/>
+                </a:tc>
+                <a:tc>
+                  <a:txBody>
+                    <a:bodyPr/>
+                    <a:lstStyle/>
+                    <a:p>
+                      <a:pPr algn="ctr"/>
+                      <a:r>
+                        <a:rPr lang="en-US" dirty="0"/>
+                        <a:t>Conditional</a:t>
+                      </a:r>
+                    </a:p>
+                    <a:p>
+                      <a:pPr algn="ctr"/>
+                      <a:r>
+                        <a:rPr lang="en-US" dirty="0"/>
+                        <a:t>Switch Case </a:t>
+                      </a:r>
+                    </a:p>
+                  </a:txBody>
+                  <a:tcPr/>
+                </a:tc>
+                <a:tc>
+                  <a:txBody>
+                    <a:bodyPr/>
+                    <a:lstStyle/>
+                    <a:p>
+                      <a:pPr algn="ctr"/>
+                      <a:r>
+                        <a:rPr lang="en-US" dirty="0"/>
+                        <a:t>For -loop</a:t>
+                      </a:r>
+                    </a:p>
+                  </a:txBody>
+                  <a:tcPr/>
+                </a:tc>
+                <a:tc>
+                  <a:txBody>
+                    <a:bodyPr/>
+                    <a:lstStyle/>
+                    <a:p>
+                      <a:pPr algn="ctr"/>
+                      <a:r>
+                        <a:rPr lang="en-US" dirty="0"/>
+                        <a:t>Nested – For Loop</a:t>
+                      </a:r>
+                    </a:p>
+                  </a:txBody>
+                  <a:tcPr/>
+                </a:tc>
+                <a:extLst>
+                  <a:ext uri="{0D108BD9-81ED-4DB2-BD59-A6C34878D82A}">
+                    <a16:rowId xmlns:a16="http://schemas.microsoft.com/office/drawing/2014/main" val="395248026"/>
+                  </a:ext>
+                </a:extLst>
+              </a:tr>
+              <a:tr h="846550">
+                <a:tc>
+                  <a:txBody>
+                    <a:bodyPr/>
+                    <a:lstStyle/>
+                    <a:p>
+                      <a:r>
+                        <a:rPr lang="en-US" dirty="0"/>
+                        <a:t>Week 2</a:t>
+                      </a:r>
+                    </a:p>
+                  </a:txBody>
+                  <a:tcPr/>
+                </a:tc>
+                <a:tc>
+                  <a:txBody>
+                    <a:bodyPr/>
+                    <a:lstStyle/>
+                    <a:p>
+                      <a:pPr algn="ctr"/>
+                      <a:r>
+                        <a:rPr lang="en-US" dirty="0"/>
+                        <a:t>While loop</a:t>
+                      </a:r>
+                    </a:p>
+                    <a:p>
+                      <a:pPr algn="ctr"/>
+                      <a:r>
+                        <a:rPr lang="en-US" dirty="0"/>
+                        <a:t>&amp; nesting</a:t>
+                      </a:r>
+                    </a:p>
+                  </a:txBody>
+                  <a:tcPr/>
+                </a:tc>
+                <a:tc>
+                  <a:txBody>
+                    <a:bodyPr/>
+                    <a:lstStyle/>
+                    <a:p>
+                      <a:pPr algn="ctr"/>
+                      <a:r>
+                        <a:rPr lang="en-US" dirty="0"/>
+                        <a:t>Do-while &amp; mixed</a:t>
+                      </a:r>
+                    </a:p>
+                  </a:txBody>
+                  <a:tcPr/>
+                </a:tc>
+                <a:tc>
+                  <a:txBody>
+                    <a:bodyPr/>
+                    <a:lstStyle/>
+                    <a:p>
+                      <a:pPr algn="ctr"/>
+                      <a:r>
+                        <a:rPr lang="en-US" dirty="0"/>
+                        <a:t>Arrays</a:t>
+                      </a:r>
+                    </a:p>
+                  </a:txBody>
+                  <a:tcPr/>
+                </a:tc>
+                <a:tc>
+                  <a:txBody>
+                    <a:bodyPr/>
+                    <a:lstStyle/>
+                    <a:p>
+                      <a:pPr marL="0" marR="0" lvl="0" indent="0" algn="ctr" defTabSz="457200" rtl="0" eaLnBrk="1" fontAlgn="auto" latinLnBrk="0" hangingPunct="1">
+                        <a:lnSpc>
+                          <a:spcPct val="100000"/>
+                        </a:lnSpc>
+                        <a:spcBef>
+                          <a:spcPts val="0"/>
+                        </a:spcBef>
+                        <a:spcAft>
+                          <a:spcPts val="0"/>
+                        </a:spcAft>
+                        <a:buClrTx/>
+                        <a:buSzTx/>
+                        <a:buFontTx/>
+                        <a:buNone/>
+                        <a:tabLst/>
+                        <a:defRPr/>
+                      </a:pPr>
+                      <a:r>
+                        <a:rPr lang="en-US" dirty="0"/>
+                        <a:t>Arrays</a:t>
+                      </a:r>
+                    </a:p>
+                    <a:p>
+                      <a:pPr algn="ctr"/>
+                      <a:endParaRPr lang="en-US" dirty="0"/>
+                    </a:p>
+                  </a:txBody>
+                  <a:tcPr/>
+                </a:tc>
+                <a:tc>
+                  <a:txBody>
+                    <a:bodyPr/>
+                    <a:lstStyle/>
+                    <a:p>
+                      <a:pPr marL="0" marR="0" lvl="0" indent="0" algn="ctr" defTabSz="457200" rtl="0" eaLnBrk="1" fontAlgn="auto" latinLnBrk="0" hangingPunct="1">
+                        <a:lnSpc>
+                          <a:spcPct val="100000"/>
+                        </a:lnSpc>
+                        <a:spcBef>
+                          <a:spcPts val="0"/>
+                        </a:spcBef>
+                        <a:spcAft>
+                          <a:spcPts val="0"/>
+                        </a:spcAft>
+                        <a:buClrTx/>
+                        <a:buSzTx/>
+                        <a:buFontTx/>
+                        <a:buNone/>
+                        <a:tabLst/>
+                        <a:defRPr/>
+                      </a:pPr>
+                      <a:r>
+                        <a:rPr lang="en-US" dirty="0"/>
+                        <a:t>Arrays</a:t>
+                      </a:r>
+                    </a:p>
+                    <a:p>
+                      <a:pPr algn="ctr"/>
+                      <a:endParaRPr lang="en-US" dirty="0"/>
+                    </a:p>
+                  </a:txBody>
+                  <a:tcPr/>
+                </a:tc>
+                <a:tc>
+                  <a:txBody>
+                    <a:bodyPr/>
+                    <a:lstStyle/>
+                    <a:p>
+                      <a:pPr marL="0" marR="0" lvl="0" indent="0" algn="ctr" defTabSz="457200" rtl="0" eaLnBrk="1" fontAlgn="auto" latinLnBrk="0" hangingPunct="1">
+                        <a:lnSpc>
+                          <a:spcPct val="100000"/>
+                        </a:lnSpc>
+                        <a:spcBef>
+                          <a:spcPts val="0"/>
+                        </a:spcBef>
+                        <a:spcAft>
+                          <a:spcPts val="0"/>
+                        </a:spcAft>
+                        <a:buClrTx/>
+                        <a:buSzTx/>
+                        <a:buFontTx/>
+                        <a:buNone/>
+                        <a:tabLst/>
+                        <a:defRPr/>
+                      </a:pPr>
+                      <a:r>
+                        <a:rPr lang="en-US" dirty="0"/>
+                        <a:t>Arrays</a:t>
+                      </a:r>
+                    </a:p>
+                    <a:p>
+                      <a:pPr algn="ctr"/>
+                      <a:endParaRPr lang="en-US" dirty="0"/>
+                    </a:p>
+                  </a:txBody>
+                  <a:tcPr/>
+                </a:tc>
+                <a:extLst>
+                  <a:ext uri="{0D108BD9-81ED-4DB2-BD59-A6C34878D82A}">
+                    <a16:rowId xmlns:a16="http://schemas.microsoft.com/office/drawing/2014/main" val="297954425"/>
+                  </a:ext>
+                </a:extLst>
+              </a:tr>
+              <a:tr h="846550">
+                <a:tc>
+                  <a:txBody>
+                    <a:bodyPr/>
+                    <a:lstStyle/>
+                    <a:p>
+                      <a:r>
+                        <a:rPr lang="en-US" dirty="0"/>
+                        <a:t>Week 3</a:t>
+                      </a:r>
+                    </a:p>
+                  </a:txBody>
+                  <a:tcPr/>
+                </a:tc>
+                <a:tc>
+                  <a:txBody>
+                    <a:bodyPr/>
+                    <a:lstStyle/>
+                    <a:p>
+                      <a:pPr algn="ctr"/>
+                      <a:r>
+                        <a:rPr lang="en-US" dirty="0"/>
+                        <a:t>Strings</a:t>
+                      </a:r>
+                    </a:p>
+                  </a:txBody>
+                  <a:tcPr/>
+                </a:tc>
+                <a:tc>
+                  <a:txBody>
+                    <a:bodyPr/>
+                    <a:lstStyle/>
+                    <a:p>
+                      <a:pPr algn="ctr"/>
+                      <a:r>
+                        <a:rPr lang="en-US" dirty="0"/>
+                        <a:t>Strings</a:t>
+                      </a:r>
+                    </a:p>
+                  </a:txBody>
+                  <a:tcPr/>
+                </a:tc>
+                <a:tc>
+                  <a:txBody>
+                    <a:bodyPr/>
+                    <a:lstStyle/>
+                    <a:p>
+                      <a:pPr algn="ctr"/>
+                      <a:r>
+                        <a:rPr lang="en-US" dirty="0"/>
+                        <a:t>Strings</a:t>
+                      </a:r>
+                    </a:p>
+                  </a:txBody>
+                  <a:tcPr/>
+                </a:tc>
+                <a:tc>
+                  <a:txBody>
+                    <a:bodyPr/>
+                    <a:lstStyle/>
+                    <a:p>
+                      <a:pPr marL="0" marR="0" lvl="0" indent="0" algn="ctr" defTabSz="457200" rtl="0" eaLnBrk="1" fontAlgn="auto" latinLnBrk="0" hangingPunct="1">
+                        <a:lnSpc>
+                          <a:spcPct val="100000"/>
+                        </a:lnSpc>
+                        <a:spcBef>
+                          <a:spcPts val="0"/>
+                        </a:spcBef>
+                        <a:spcAft>
+                          <a:spcPts val="0"/>
+                        </a:spcAft>
+                        <a:buClrTx/>
+                        <a:buSzTx/>
+                        <a:buFontTx/>
+                        <a:buNone/>
+                        <a:tabLst/>
+                        <a:defRPr/>
+                      </a:pPr>
+                      <a:r>
+                        <a:rPr lang="en-US" dirty="0"/>
+                        <a:t>Methods</a:t>
+                      </a:r>
+                    </a:p>
+                    <a:p>
+                      <a:pPr algn="ctr"/>
+                      <a:endParaRPr lang="en-US" dirty="0"/>
+                    </a:p>
+                  </a:txBody>
+                  <a:tcPr/>
+                </a:tc>
+                <a:tc>
+                  <a:txBody>
+                    <a:bodyPr/>
+                    <a:lstStyle/>
+                    <a:p>
+                      <a:pPr marL="0" marR="0" lvl="0" indent="0" algn="ctr" defTabSz="457200" rtl="0" eaLnBrk="1" fontAlgn="auto" latinLnBrk="0" hangingPunct="1">
+                        <a:lnSpc>
+                          <a:spcPct val="100000"/>
+                        </a:lnSpc>
+                        <a:spcBef>
+                          <a:spcPts val="0"/>
+                        </a:spcBef>
+                        <a:spcAft>
+                          <a:spcPts val="0"/>
+                        </a:spcAft>
+                        <a:buClrTx/>
+                        <a:buSzTx/>
+                        <a:buFontTx/>
+                        <a:buNone/>
+                        <a:tabLst/>
+                        <a:defRPr/>
+                      </a:pPr>
+                      <a:r>
+                        <a:rPr lang="en-US" dirty="0"/>
+                        <a:t>Constructor</a:t>
+                      </a:r>
+                    </a:p>
+                    <a:p>
+                      <a:pPr algn="ctr"/>
+                      <a:r>
+                        <a:rPr lang="en-US" dirty="0"/>
+                        <a:t>&amp; this keyword</a:t>
+                      </a:r>
+                    </a:p>
+                  </a:txBody>
+                  <a:tcPr/>
+                </a:tc>
+                <a:tc>
+                  <a:txBody>
+                    <a:bodyPr/>
+                    <a:lstStyle/>
+                    <a:p>
+                      <a:pPr algn="ctr"/>
+                      <a:r>
+                        <a:rPr lang="en-US" dirty="0"/>
+                        <a:t>Access specifiers &amp; static </a:t>
+                      </a:r>
+                    </a:p>
+                  </a:txBody>
+                  <a:tcPr/>
+                </a:tc>
+                <a:extLst>
+                  <a:ext uri="{0D108BD9-81ED-4DB2-BD59-A6C34878D82A}">
+                    <a16:rowId xmlns:a16="http://schemas.microsoft.com/office/drawing/2014/main" val="1611951080"/>
+                  </a:ext>
+                </a:extLst>
+              </a:tr>
+              <a:tr h="846550">
+                <a:tc>
+                  <a:txBody>
+                    <a:bodyPr/>
+                    <a:lstStyle/>
+                    <a:p>
+                      <a:r>
+                        <a:rPr lang="en-US" dirty="0"/>
+                        <a:t>Week 4</a:t>
+                      </a:r>
+                    </a:p>
+                  </a:txBody>
+                  <a:tcPr/>
+                </a:tc>
+                <a:tc>
+                  <a:txBody>
+                    <a:bodyPr/>
+                    <a:lstStyle/>
+                    <a:p>
+                      <a:pPr algn="ctr"/>
+                      <a:r>
+                        <a:rPr lang="en-US" dirty="0"/>
+                        <a:t>Final keywords</a:t>
+                      </a:r>
+                    </a:p>
+                  </a:txBody>
+                  <a:tcPr/>
+                </a:tc>
+                <a:tc>
+                  <a:txBody>
+                    <a:bodyPr/>
+                    <a:lstStyle/>
+                    <a:p>
+                      <a:pPr algn="ctr"/>
+                      <a:r>
+                        <a:rPr lang="en-US" dirty="0"/>
+                        <a:t>Oops : Classes &amp; objects</a:t>
+                      </a:r>
+                    </a:p>
+                  </a:txBody>
+                  <a:tcPr/>
+                </a:tc>
+                <a:tc>
+                  <a:txBody>
+                    <a:bodyPr/>
+                    <a:lstStyle/>
+                    <a:p>
+                      <a:pPr marL="0" marR="0" lvl="0" indent="0" algn="ctr" defTabSz="457200" rtl="0" eaLnBrk="1" fontAlgn="auto" latinLnBrk="0" hangingPunct="1">
+                        <a:lnSpc>
+                          <a:spcPct val="100000"/>
+                        </a:lnSpc>
+                        <a:spcBef>
+                          <a:spcPts val="0"/>
+                        </a:spcBef>
+                        <a:spcAft>
+                          <a:spcPts val="0"/>
+                        </a:spcAft>
+                        <a:buClrTx/>
+                        <a:buSzTx/>
+                        <a:buFontTx/>
+                        <a:buNone/>
+                        <a:tabLst/>
+                        <a:defRPr/>
+                      </a:pPr>
+                      <a:r>
+                        <a:rPr lang="en-US" dirty="0" err="1">
+                          <a:sym typeface="Wingdings" panose="05000000000000000000" pitchFamily="2" charset="2"/>
+                        </a:rPr>
+                        <a:t>Encapsula-tion</a:t>
+                      </a:r>
+                      <a:endParaRPr lang="en-US" dirty="0">
+                        <a:sym typeface="Wingdings" panose="05000000000000000000" pitchFamily="2" charset="2"/>
+                      </a:endParaRPr>
+                    </a:p>
+                    <a:p>
+                      <a:pPr algn="ctr"/>
+                      <a:endParaRPr lang="en-US" dirty="0"/>
+                    </a:p>
+                  </a:txBody>
+                  <a:tcPr/>
+                </a:tc>
+                <a:tc>
+                  <a:txBody>
+                    <a:bodyPr/>
+                    <a:lstStyle/>
+                    <a:p>
+                      <a:pPr marL="0" marR="0" lvl="0" indent="0" algn="ctr" defTabSz="457200" rtl="0" eaLnBrk="1" fontAlgn="auto" latinLnBrk="0" hangingPunct="1">
+                        <a:lnSpc>
+                          <a:spcPct val="100000"/>
+                        </a:lnSpc>
+                        <a:spcBef>
+                          <a:spcPts val="0"/>
+                        </a:spcBef>
+                        <a:spcAft>
+                          <a:spcPts val="0"/>
+                        </a:spcAft>
+                        <a:buClrTx/>
+                        <a:buSzTx/>
+                        <a:buFontTx/>
+                        <a:buNone/>
+                        <a:tabLst/>
+                        <a:defRPr/>
+                      </a:pPr>
+                      <a:r>
+                        <a:rPr lang="en-US" dirty="0">
+                          <a:sym typeface="Wingdings" panose="05000000000000000000" pitchFamily="2" charset="2"/>
+                        </a:rPr>
+                        <a:t>Inheritance</a:t>
+                      </a:r>
+                    </a:p>
+                    <a:p>
+                      <a:pPr algn="ctr"/>
+                      <a:endParaRPr lang="en-US" dirty="0"/>
+                    </a:p>
+                  </a:txBody>
+                  <a:tcPr/>
+                </a:tc>
+                <a:tc>
+                  <a:txBody>
+                    <a:bodyPr/>
+                    <a:lstStyle/>
+                    <a:p>
+                      <a:pPr marL="0" marR="0" lvl="0" indent="0" algn="l" defTabSz="457200" rtl="0" eaLnBrk="1" fontAlgn="auto" latinLnBrk="0" hangingPunct="1">
+                        <a:lnSpc>
+                          <a:spcPct val="100000"/>
+                        </a:lnSpc>
+                        <a:spcBef>
+                          <a:spcPts val="0"/>
+                        </a:spcBef>
+                        <a:spcAft>
+                          <a:spcPts val="0"/>
+                        </a:spcAft>
+                        <a:buClrTx/>
+                        <a:buSzTx/>
+                        <a:buFontTx/>
+                        <a:buNone/>
+                        <a:tabLst/>
+                        <a:defRPr/>
+                      </a:pPr>
+                      <a:r>
+                        <a:rPr lang="en-US" dirty="0">
+                          <a:sym typeface="Wingdings" panose="05000000000000000000" pitchFamily="2" charset="2"/>
+                        </a:rPr>
+                        <a:t>polymorphism </a:t>
+                      </a:r>
+                    </a:p>
+                    <a:p>
+                      <a:endParaRPr lang="en-US" dirty="0"/>
+                    </a:p>
+                  </a:txBody>
+                  <a:tcPr/>
+                </a:tc>
+                <a:tc>
+                  <a:txBody>
+                    <a:bodyPr/>
+                    <a:lstStyle/>
+                    <a:p>
+                      <a:pPr marL="0" marR="0" lvl="0" indent="0" algn="l" defTabSz="457200" rtl="0" eaLnBrk="1" fontAlgn="auto" latinLnBrk="0" hangingPunct="1">
+                        <a:lnSpc>
+                          <a:spcPct val="100000"/>
+                        </a:lnSpc>
+                        <a:spcBef>
+                          <a:spcPts val="0"/>
+                        </a:spcBef>
+                        <a:spcAft>
+                          <a:spcPts val="0"/>
+                        </a:spcAft>
+                        <a:buClrTx/>
+                        <a:buSzTx/>
+                        <a:buFontTx/>
+                        <a:buNone/>
+                        <a:tabLst/>
+                        <a:defRPr/>
+                      </a:pPr>
+                      <a:r>
+                        <a:rPr lang="en-US" dirty="0">
+                          <a:sym typeface="Wingdings" panose="05000000000000000000" pitchFamily="2" charset="2"/>
+                        </a:rPr>
+                        <a:t>Data Abstraction</a:t>
+                      </a:r>
+                    </a:p>
+                    <a:p>
+                      <a:r>
+                        <a:rPr lang="en-US" dirty="0"/>
+                        <a:t>&amp; Interface</a:t>
+                      </a:r>
+                    </a:p>
+                  </a:txBody>
+                  <a:tcPr/>
+                </a:tc>
+                <a:extLst>
+                  <a:ext uri="{0D108BD9-81ED-4DB2-BD59-A6C34878D82A}">
+                    <a16:rowId xmlns:a16="http://schemas.microsoft.com/office/drawing/2014/main" val="3611316522"/>
+                  </a:ext>
+                </a:extLst>
+              </a:tr>
+            </a:tbl>
+          </a:graphicData>
+        </a:graphic>
+      </p:graphicFrame>
+      <p:cxnSp>
+        <p:nvCxnSpPr>
+          <p:cNvPr id="7" name="Straight Connector 6">
+            <a:extLst>
+              <a:ext uri="{FF2B5EF4-FFF2-40B4-BE49-F238E27FC236}">
+                <a16:creationId xmlns:a16="http://schemas.microsoft.com/office/drawing/2014/main" id="{3A77F80A-57E1-4A9C-83DF-7F228E1805F7}"/>
+              </a:ext>
+            </a:extLst>
+          </p:cNvPr>
+          <p:cNvCxnSpPr/>
+          <p:nvPr/>
+        </p:nvCxnSpPr>
+        <p:spPr>
+          <a:xfrm>
+            <a:off x="921558" y="1689057"/>
+            <a:ext cx="1455938" cy="816746"/>
+          </a:xfrm>
+          <a:prstGeom prst="line">
+            <a:avLst/>
+          </a:prstGeom>
+          <a:ln w="9525" cap="flat" cmpd="sng" algn="ctr">
+            <a:solidFill>
+              <a:schemeClr val="dk1"/>
+            </a:solidFill>
+            <a:prstDash val="dash"/>
+            <a:round/>
+            <a:headEnd type="none" w="med" len="med"/>
+            <a:tailEnd type="none" w="med" len="med"/>
+          </a:ln>
+        </p:spPr>
+        <p:style>
+          <a:lnRef idx="0">
+            <a:scrgbClr r="0" g="0" b="0"/>
+          </a:lnRef>
+          <a:fillRef idx="0">
+            <a:scrgbClr r="0" g="0" b="0"/>
+          </a:fillRef>
+          <a:effectRef idx="0">
+            <a:scrgbClr r="0" g="0" b="0"/>
+          </a:effectRef>
+          <a:fontRef idx="minor">
+            <a:schemeClr val="tx1"/>
+          </a:fontRef>
+        </p:style>
+      </p:cxnSp>
+    </p:spTree>
+    <p:extLst>
+      <p:ext uri="{BB962C8B-B14F-4D97-AF65-F5344CB8AC3E}">
+        <p14:creationId xmlns:p14="http://schemas.microsoft.com/office/powerpoint/2010/main" val="2953195511"/>
+      </p:ext>
+    </p:extLst>
+  </p:cSld>
+  <p:clrMapOvr>
+    <a:masterClrMapping/>
+  </p:clrMapOvr>
+</p:sld>
+</file>
+
+<file path=ppt/slides/slide19.xml><?xml version="1.0" encoding="utf-8"?>
+<p:sld xmlns:a="http://schemas.openxmlformats.org/drawingml/2006/main" xmlns:r="http://schemas.openxmlformats.org/officeDocument/2006/relationships" xmlns:p="http://schemas.openxmlformats.org/presentationml/2006/main">
+  <p:cSld>
+    <p:spTree>
+      <p:nvGrpSpPr>
+        <p:cNvPr id="1" name=""/>
+        <p:cNvGrpSpPr/>
+        <p:nvPr/>
+      </p:nvGrpSpPr>
+      <p:grpSpPr>
+        <a:xfrm>
+          <a:off x="0" y="0"/>
+          <a:ext cx="0" cy="0"/>
+          <a:chOff x="0" y="0"/>
+          <a:chExt cx="0" cy="0"/>
+        </a:xfrm>
+      </p:grpSpPr>
+      <p:sp>
+        <p:nvSpPr>
+          <p:cNvPr id="2" name="Title 1">
+            <a:extLst>
+              <a:ext uri="{FF2B5EF4-FFF2-40B4-BE49-F238E27FC236}">
+                <a16:creationId xmlns:a16="http://schemas.microsoft.com/office/drawing/2014/main" id="{7DA8E462-8C4B-4707-B351-371E5FF94083}"/>
+              </a:ext>
+            </a:extLst>
+          </p:cNvPr>
+          <p:cNvSpPr>
+            <a:spLocks noGrp="1"/>
+          </p:cNvSpPr>
+          <p:nvPr>
+            <p:ph type="title"/>
+          </p:nvPr>
+        </p:nvSpPr>
+        <p:spPr>
+          <a:xfrm>
+            <a:off x="1489490" y="923234"/>
+            <a:ext cx="9404723" cy="1400530"/>
+          </a:xfrm>
+        </p:spPr>
+        <p:txBody>
+          <a:bodyPr/>
+          <a:lstStyle/>
+          <a:p>
+            <a:pPr algn="ctr"/>
+            <a:r>
+              <a:rPr lang="en-US" dirty="0"/>
+              <a:t>Made easy for you!</a:t>
+            </a:r>
+          </a:p>
+        </p:txBody>
+      </p:sp>
+      <p:sp>
+        <p:nvSpPr>
+          <p:cNvPr id="3" name="Content Placeholder 2">
+            <a:extLst>
+              <a:ext uri="{FF2B5EF4-FFF2-40B4-BE49-F238E27FC236}">
+                <a16:creationId xmlns:a16="http://schemas.microsoft.com/office/drawing/2014/main" id="{7920B917-A714-46A1-9050-19A43C63AA9A}"/>
+              </a:ext>
+            </a:extLst>
+          </p:cNvPr>
+          <p:cNvSpPr>
+            <a:spLocks noGrp="1"/>
+          </p:cNvSpPr>
+          <p:nvPr>
+            <p:ph idx="1"/>
+          </p:nvPr>
+        </p:nvSpPr>
+        <p:spPr>
+          <a:xfrm>
+            <a:off x="1405153" y="2121764"/>
+            <a:ext cx="8946541" cy="4119238"/>
+          </a:xfrm>
+        </p:spPr>
+        <p:txBody>
+          <a:bodyPr>
+            <a:normAutofit fontScale="92500" lnSpcReduction="10000"/>
+          </a:bodyPr>
+          <a:lstStyle/>
+          <a:p>
+            <a:pPr marL="0" indent="0">
+              <a:buNone/>
+            </a:pPr>
+            <a:r>
+              <a:rPr lang="en-US" b="1" i="1" dirty="0"/>
+              <a:t>Structured Course </a:t>
+            </a:r>
+          </a:p>
+          <a:p>
+            <a:pPr marL="0" indent="0">
+              <a:buNone/>
+            </a:pPr>
+            <a:r>
+              <a:rPr lang="en-US" b="1" i="1" dirty="0"/>
+              <a:t>+ Regular assignments</a:t>
+            </a:r>
+          </a:p>
+          <a:p>
+            <a:pPr marL="0" indent="0">
+              <a:buNone/>
+            </a:pPr>
+            <a:r>
+              <a:rPr lang="en-US" b="1" i="1" dirty="0"/>
+              <a:t>+ Daily practice questions</a:t>
+            </a:r>
+          </a:p>
+          <a:p>
+            <a:pPr marL="0" indent="0">
+              <a:buNone/>
+            </a:pPr>
+            <a:r>
+              <a:rPr lang="en-US" b="1" i="1" dirty="0"/>
+              <a:t>+ Hacker rank and </a:t>
+            </a:r>
+            <a:r>
+              <a:rPr lang="en-US" b="1" i="1" dirty="0" err="1"/>
+              <a:t>codechef</a:t>
+            </a:r>
+            <a:r>
+              <a:rPr lang="en-US" b="1" i="1" dirty="0"/>
+              <a:t> beginner level selected questions</a:t>
+            </a:r>
+          </a:p>
+          <a:p>
+            <a:pPr marL="0" indent="0">
+              <a:buNone/>
+            </a:pPr>
+            <a:r>
+              <a:rPr lang="en-US" b="1" i="1" dirty="0"/>
+              <a:t>+ Personal doubt clearing </a:t>
+            </a:r>
+          </a:p>
+          <a:p>
+            <a:pPr marL="0" indent="0">
+              <a:buNone/>
+            </a:pPr>
+            <a:endParaRPr lang="en-US" b="1" i="1" dirty="0"/>
+          </a:p>
+          <a:p>
+            <a:pPr marL="0" indent="0">
+              <a:buNone/>
+            </a:pPr>
+            <a:r>
+              <a:rPr lang="en-US" b="1" i="1" dirty="0"/>
+              <a:t>Course price :500/- 	</a:t>
+            </a:r>
+          </a:p>
+          <a:p>
+            <a:pPr marL="0" indent="0">
+              <a:buNone/>
+            </a:pPr>
+            <a:r>
+              <a:rPr lang="en-US" b="1" i="1" dirty="0"/>
+              <a:t>Discount :      -150/-</a:t>
+            </a:r>
+          </a:p>
+          <a:p>
+            <a:pPr marL="0" indent="0">
+              <a:buNone/>
+            </a:pPr>
+            <a:r>
+              <a:rPr lang="en-US" b="1" i="1" dirty="0"/>
+              <a:t>Total price :    350/-</a:t>
+            </a:r>
+          </a:p>
+          <a:p>
+            <a:pPr marL="0" indent="0">
+              <a:buNone/>
+            </a:pPr>
+            <a:r>
+              <a:rPr lang="en-US" b="1" i="1" dirty="0"/>
+              <a:t>Contact : 8800912721 (Sanchita Mishra)</a:t>
+            </a:r>
+          </a:p>
+          <a:p>
+            <a:pPr marL="0" indent="0">
+              <a:buNone/>
+            </a:pPr>
+            <a:endParaRPr lang="en-US" b="1" i="1" dirty="0"/>
+          </a:p>
+        </p:txBody>
+      </p:sp>
+    </p:spTree>
+    <p:extLst>
+      <p:ext uri="{BB962C8B-B14F-4D97-AF65-F5344CB8AC3E}">
+        <p14:creationId xmlns:p14="http://schemas.microsoft.com/office/powerpoint/2010/main" val="3850632458"/>
+      </p:ext>
+    </p:extLst>
+  </p:cSld>
+  <p:clrMapOvr>
+    <a:masterClrMapping/>
+  </p:clrMapOvr>
+</p:sld>
+</file>
+
 <file path=ppt/slides/slide2.xml><?xml version="1.0" encoding="utf-8"?>
 <p:sld xmlns:a="http://schemas.openxmlformats.org/drawingml/2006/main" xmlns:r="http://schemas.openxmlformats.org/officeDocument/2006/relationships" xmlns:p="http://schemas.openxmlformats.org/presentationml/2006/main">
   <p:cSld>
@@ -7522,6 +10828,248 @@
     <p:extLst>
       <p:ext uri="{BB962C8B-B14F-4D97-AF65-F5344CB8AC3E}">
         <p14:creationId xmlns:p14="http://schemas.microsoft.com/office/powerpoint/2010/main" val="83439778"/>
+      </p:ext>
+    </p:extLst>
+  </p:cSld>
+  <p:clrMapOvr>
+    <a:masterClrMapping/>
+  </p:clrMapOvr>
+</p:sld>
+</file>
+
+<file path=ppt/slides/slide20.xml><?xml version="1.0" encoding="utf-8"?>
+<p:sld xmlns:a="http://schemas.openxmlformats.org/drawingml/2006/main" xmlns:r="http://schemas.openxmlformats.org/officeDocument/2006/relationships" xmlns:p="http://schemas.openxmlformats.org/presentationml/2006/main">
+  <p:cSld>
+    <p:spTree>
+      <p:nvGrpSpPr>
+        <p:cNvPr id="1" name=""/>
+        <p:cNvGrpSpPr/>
+        <p:nvPr/>
+      </p:nvGrpSpPr>
+      <p:grpSpPr>
+        <a:xfrm>
+          <a:off x="0" y="0"/>
+          <a:ext cx="0" cy="0"/>
+          <a:chOff x="0" y="0"/>
+          <a:chExt cx="0" cy="0"/>
+        </a:xfrm>
+      </p:grpSpPr>
+      <p:sp>
+        <p:nvSpPr>
+          <p:cNvPr id="3" name="Title 2">
+            <a:extLst>
+              <a:ext uri="{FF2B5EF4-FFF2-40B4-BE49-F238E27FC236}">
+                <a16:creationId xmlns:a16="http://schemas.microsoft.com/office/drawing/2014/main" id="{74F27DEA-16A4-49EE-99B3-A5D62A4B300E}"/>
+              </a:ext>
+            </a:extLst>
+          </p:cNvPr>
+          <p:cNvSpPr>
+            <a:spLocks noGrp="1"/>
+          </p:cNvSpPr>
+          <p:nvPr>
+            <p:ph type="title"/>
+          </p:nvPr>
+        </p:nvSpPr>
+        <p:spPr>
+          <a:xfrm>
+            <a:off x="1305877" y="257452"/>
+            <a:ext cx="8825657" cy="1261823"/>
+          </a:xfrm>
+        </p:spPr>
+        <p:txBody>
+          <a:bodyPr/>
+          <a:lstStyle/>
+          <a:p>
+            <a:pPr algn="ctr"/>
+            <a:r>
+              <a:rPr lang="en-US" sz="7200" dirty="0"/>
+              <a:t>All the best!</a:t>
+            </a:r>
+          </a:p>
+        </p:txBody>
+      </p:sp>
+      <p:sp>
+        <p:nvSpPr>
+          <p:cNvPr id="4" name="Text Placeholder 3">
+            <a:extLst>
+              <a:ext uri="{FF2B5EF4-FFF2-40B4-BE49-F238E27FC236}">
+                <a16:creationId xmlns:a16="http://schemas.microsoft.com/office/drawing/2014/main" id="{4AE7695D-0D88-4E77-A142-366BA33F7D28}"/>
+              </a:ext>
+            </a:extLst>
+          </p:cNvPr>
+          <p:cNvSpPr>
+            <a:spLocks noGrp="1"/>
+          </p:cNvSpPr>
+          <p:nvPr>
+            <p:ph type="body" idx="1"/>
+          </p:nvPr>
+        </p:nvSpPr>
+        <p:spPr>
+          <a:xfrm>
+            <a:off x="1154955" y="2485748"/>
+            <a:ext cx="10208462" cy="3152033"/>
+          </a:xfrm>
+        </p:spPr>
+        <p:txBody>
+          <a:bodyPr>
+            <a:normAutofit fontScale="92500" lnSpcReduction="20000"/>
+          </a:bodyPr>
+          <a:lstStyle/>
+          <a:p>
+            <a:pPr algn="ctr"/>
+            <a:r>
+              <a:rPr lang="en-US" sz="5400" cap="none" dirty="0">
+                <a:ln w="0"/>
+                <a:solidFill>
+                  <a:schemeClr val="tx1"/>
+                </a:solidFill>
+                <a:effectLst>
+                  <a:outerShdw blurRad="38100" dist="19050" dir="2700000" algn="tl" rotWithShape="0">
+                    <a:schemeClr val="dk1">
+                      <a:alpha val="40000"/>
+                    </a:schemeClr>
+                  </a:outerShdw>
+                </a:effectLst>
+              </a:rPr>
+              <a:t>Contact : 8800912721</a:t>
+            </a:r>
+          </a:p>
+          <a:p>
+            <a:r>
+              <a:rPr lang="en-US" sz="5400" cap="none" dirty="0">
+                <a:ln w="0"/>
+                <a:solidFill>
+                  <a:schemeClr val="tx1"/>
+                </a:solidFill>
+                <a:effectLst>
+                  <a:outerShdw blurRad="38100" dist="19050" dir="2700000" algn="tl" rotWithShape="0">
+                    <a:schemeClr val="dk1">
+                      <a:alpha val="40000"/>
+                    </a:schemeClr>
+                  </a:outerShdw>
+                </a:effectLst>
+              </a:rPr>
+              <a:t>ppt available at : </a:t>
+            </a:r>
+          </a:p>
+          <a:p>
+            <a:r>
+              <a:rPr lang="en-US" sz="5400" cap="none" dirty="0">
+                <a:ln w="0"/>
+                <a:solidFill>
+                  <a:schemeClr val="tx1"/>
+                </a:solidFill>
+                <a:effectLst>
+                  <a:outerShdw blurRad="38100" dist="19050" dir="2700000" algn="tl" rotWithShape="0">
+                    <a:schemeClr val="dk1">
+                      <a:alpha val="40000"/>
+                    </a:schemeClr>
+                  </a:outerShdw>
+                </a:effectLst>
+                <a:hlinkClick r:id="rId2"/>
+              </a:rPr>
+              <a:t>https://github.com/sanchitamishra170676/javabasics</a:t>
+            </a:r>
+            <a:endParaRPr lang="en-US" sz="5400" cap="none" dirty="0">
+              <a:ln w="0"/>
+              <a:solidFill>
+                <a:schemeClr val="tx1"/>
+              </a:solidFill>
+              <a:effectLst>
+                <a:outerShdw blurRad="38100" dist="19050" dir="2700000" algn="tl" rotWithShape="0">
+                  <a:schemeClr val="dk1">
+                    <a:alpha val="40000"/>
+                  </a:schemeClr>
+                </a:outerShdw>
+              </a:effectLst>
+            </a:endParaRPr>
+          </a:p>
+          <a:p>
+            <a:r>
+              <a:rPr lang="en-US" cap="none" dirty="0">
+                <a:ln w="0"/>
+                <a:solidFill>
+                  <a:schemeClr val="tx1"/>
+                </a:solidFill>
+                <a:effectLst>
+                  <a:outerShdw blurRad="38100" dist="19050" dir="2700000" algn="tl" rotWithShape="0">
+                    <a:schemeClr val="dk1">
+                      <a:alpha val="40000"/>
+                    </a:schemeClr>
+                  </a:outerShdw>
+                </a:effectLst>
+                <a:hlinkClick r:id="rId3"/>
+              </a:rPr>
+              <a:t>sanchitamishra170676</a:t>
+            </a:r>
+            <a:r>
+              <a:rPr lang="en-US" cap="none" dirty="0">
+                <a:ln w="0"/>
+                <a:solidFill>
+                  <a:schemeClr val="tx1"/>
+                </a:solidFill>
+                <a:effectLst>
+                  <a:outerShdw blurRad="38100" dist="19050" dir="2700000" algn="tl" rotWithShape="0">
+                    <a:schemeClr val="dk1">
+                      <a:alpha val="40000"/>
+                    </a:schemeClr>
+                  </a:outerShdw>
+                </a:effectLst>
+              </a:rPr>
+              <a:t>/</a:t>
+            </a:r>
+            <a:r>
+              <a:rPr lang="en-US" u="sng" cap="none" dirty="0" err="1">
+                <a:ln w="0"/>
+                <a:solidFill>
+                  <a:schemeClr val="tx1"/>
+                </a:solidFill>
+                <a:effectLst>
+                  <a:outerShdw blurRad="38100" dist="19050" dir="2700000" algn="tl" rotWithShape="0">
+                    <a:schemeClr val="dk1">
+                      <a:alpha val="40000"/>
+                    </a:schemeClr>
+                  </a:outerShdw>
+                </a:effectLst>
+                <a:hlinkClick r:id="rId4"/>
+              </a:rPr>
+              <a:t>javabasics</a:t>
+            </a:r>
+            <a:endParaRPr lang="en-US" cap="none" dirty="0">
+              <a:ln w="0"/>
+              <a:solidFill>
+                <a:schemeClr val="tx1"/>
+              </a:solidFill>
+              <a:effectLst>
+                <a:outerShdw blurRad="38100" dist="19050" dir="2700000" algn="tl" rotWithShape="0">
+                  <a:schemeClr val="dk1">
+                    <a:alpha val="40000"/>
+                  </a:schemeClr>
+                </a:outerShdw>
+              </a:effectLst>
+            </a:endParaRPr>
+          </a:p>
+          <a:p>
+            <a:endParaRPr lang="en-US" sz="5400" cap="none" dirty="0">
+              <a:ln w="0"/>
+              <a:solidFill>
+                <a:schemeClr val="tx1"/>
+              </a:solidFill>
+              <a:effectLst>
+                <a:outerShdw blurRad="38100" dist="19050" dir="2700000" algn="tl" rotWithShape="0">
+                  <a:schemeClr val="dk1">
+                    <a:alpha val="40000"/>
+                  </a:schemeClr>
+                </a:outerShdw>
+              </a:effectLst>
+            </a:endParaRPr>
+          </a:p>
+        </p:txBody>
+      </p:sp>
+    </p:spTree>
+    <p:extLst>
+      <p:ext uri="{BB962C8B-B14F-4D97-AF65-F5344CB8AC3E}">
+        <p14:creationId xmlns:p14="http://schemas.microsoft.com/office/powerpoint/2010/main" val="992626529"/>
       </p:ext>
     </p:extLst>
   </p:cSld>

--- a/Webinar.pptx
+++ b/Webinar.pptx
@@ -314,7 +314,7 @@
           <a:p>
             <a:fld id="{79E1C1AB-56A0-45EF-B181-CDDA2DAEED7E}" type="datetimeFigureOut">
               <a:rPr lang="en-US" smtClean="0"/>
-              <a:t>6/3/2020</a:t>
+              <a:t>6/4/2020</a:t>
             </a:fld>
             <a:endParaRPr lang="en-US"/>
           </a:p>
@@ -589,7 +589,7 @@
           <a:p>
             <a:fld id="{79E1C1AB-56A0-45EF-B181-CDDA2DAEED7E}" type="datetimeFigureOut">
               <a:rPr lang="en-US" smtClean="0"/>
-              <a:t>6/3/2020</a:t>
+              <a:t>6/4/2020</a:t>
             </a:fld>
             <a:endParaRPr lang="en-US"/>
           </a:p>
@@ -783,7 +783,7 @@
           <a:p>
             <a:fld id="{79E1C1AB-56A0-45EF-B181-CDDA2DAEED7E}" type="datetimeFigureOut">
               <a:rPr lang="en-US" smtClean="0"/>
-              <a:t>6/3/2020</a:t>
+              <a:t>6/4/2020</a:t>
             </a:fld>
             <a:endParaRPr lang="en-US"/>
           </a:p>
@@ -1051,7 +1051,7 @@
           <a:p>
             <a:fld id="{79E1C1AB-56A0-45EF-B181-CDDA2DAEED7E}" type="datetimeFigureOut">
               <a:rPr lang="en-US" smtClean="0"/>
-              <a:t>6/3/2020</a:t>
+              <a:t>6/4/2020</a:t>
             </a:fld>
             <a:endParaRPr lang="en-US"/>
           </a:p>
@@ -1383,7 +1383,7 @@
           <a:p>
             <a:fld id="{79E1C1AB-56A0-45EF-B181-CDDA2DAEED7E}" type="datetimeFigureOut">
               <a:rPr lang="en-US" smtClean="0"/>
-              <a:t>6/3/2020</a:t>
+              <a:t>6/4/2020</a:t>
             </a:fld>
             <a:endParaRPr lang="en-US"/>
           </a:p>
@@ -1993,7 +1993,7 @@
           <a:p>
             <a:fld id="{79E1C1AB-56A0-45EF-B181-CDDA2DAEED7E}" type="datetimeFigureOut">
               <a:rPr lang="en-US" smtClean="0"/>
-              <a:t>6/3/2020</a:t>
+              <a:t>6/4/2020</a:t>
             </a:fld>
             <a:endParaRPr lang="en-US"/>
           </a:p>
@@ -2840,7 +2840,7 @@
           <a:p>
             <a:fld id="{79E1C1AB-56A0-45EF-B181-CDDA2DAEED7E}" type="datetimeFigureOut">
               <a:rPr lang="en-US" smtClean="0"/>
-              <a:t>6/3/2020</a:t>
+              <a:t>6/4/2020</a:t>
             </a:fld>
             <a:endParaRPr lang="en-US"/>
           </a:p>
@@ -3010,7 +3010,7 @@
           <a:p>
             <a:fld id="{79E1C1AB-56A0-45EF-B181-CDDA2DAEED7E}" type="datetimeFigureOut">
               <a:rPr lang="en-US" smtClean="0"/>
-              <a:t>6/3/2020</a:t>
+              <a:t>6/4/2020</a:t>
             </a:fld>
             <a:endParaRPr lang="en-US"/>
           </a:p>
@@ -3190,7 +3190,7 @@
           <a:p>
             <a:fld id="{79E1C1AB-56A0-45EF-B181-CDDA2DAEED7E}" type="datetimeFigureOut">
               <a:rPr lang="en-US" smtClean="0"/>
-              <a:t>6/3/2020</a:t>
+              <a:t>6/4/2020</a:t>
             </a:fld>
             <a:endParaRPr lang="en-US"/>
           </a:p>
@@ -3360,7 +3360,7 @@
           <a:p>
             <a:fld id="{79E1C1AB-56A0-45EF-B181-CDDA2DAEED7E}" type="datetimeFigureOut">
               <a:rPr lang="en-US" smtClean="0"/>
-              <a:t>6/3/2020</a:t>
+              <a:t>6/4/2020</a:t>
             </a:fld>
             <a:endParaRPr lang="en-US"/>
           </a:p>
@@ -3604,7 +3604,7 @@
           <a:p>
             <a:fld id="{79E1C1AB-56A0-45EF-B181-CDDA2DAEED7E}" type="datetimeFigureOut">
               <a:rPr lang="en-US" smtClean="0"/>
-              <a:t>6/3/2020</a:t>
+              <a:t>6/4/2020</a:t>
             </a:fld>
             <a:endParaRPr lang="en-US"/>
           </a:p>
@@ -3896,7 +3896,7 @@
           <a:p>
             <a:fld id="{79E1C1AB-56A0-45EF-B181-CDDA2DAEED7E}" type="datetimeFigureOut">
               <a:rPr lang="en-US" smtClean="0"/>
-              <a:t>6/3/2020</a:t>
+              <a:t>6/4/2020</a:t>
             </a:fld>
             <a:endParaRPr lang="en-US"/>
           </a:p>
@@ -4334,7 +4334,7 @@
           <a:p>
             <a:fld id="{79E1C1AB-56A0-45EF-B181-CDDA2DAEED7E}" type="datetimeFigureOut">
               <a:rPr lang="en-US" smtClean="0"/>
-              <a:t>6/3/2020</a:t>
+              <a:t>6/4/2020</a:t>
             </a:fld>
             <a:endParaRPr lang="en-US"/>
           </a:p>
@@ -4452,7 +4452,7 @@
           <a:p>
             <a:fld id="{79E1C1AB-56A0-45EF-B181-CDDA2DAEED7E}" type="datetimeFigureOut">
               <a:rPr lang="en-US" smtClean="0"/>
-              <a:t>6/3/2020</a:t>
+              <a:t>6/4/2020</a:t>
             </a:fld>
             <a:endParaRPr lang="en-US"/>
           </a:p>
@@ -4547,7 +4547,7 @@
           <a:p>
             <a:fld id="{79E1C1AB-56A0-45EF-B181-CDDA2DAEED7E}" type="datetimeFigureOut">
               <a:rPr lang="en-US" smtClean="0"/>
-              <a:t>6/3/2020</a:t>
+              <a:t>6/4/2020</a:t>
             </a:fld>
             <a:endParaRPr lang="en-US"/>
           </a:p>
@@ -4826,7 +4826,7 @@
           <a:p>
             <a:fld id="{79E1C1AB-56A0-45EF-B181-CDDA2DAEED7E}" type="datetimeFigureOut">
               <a:rPr lang="en-US" smtClean="0"/>
-              <a:t>6/3/2020</a:t>
+              <a:t>6/4/2020</a:t>
             </a:fld>
             <a:endParaRPr lang="en-US"/>
           </a:p>
@@ -5101,7 +5101,7 @@
           <a:p>
             <a:fld id="{79E1C1AB-56A0-45EF-B181-CDDA2DAEED7E}" type="datetimeFigureOut">
               <a:rPr lang="en-US" smtClean="0"/>
-              <a:t>6/3/2020</a:t>
+              <a:t>6/4/2020</a:t>
             </a:fld>
             <a:endParaRPr lang="en-US"/>
           </a:p>
@@ -5530,7 +5530,7 @@
           <a:p>
             <a:fld id="{79E1C1AB-56A0-45EF-B181-CDDA2DAEED7E}" type="datetimeFigureOut">
               <a:rPr lang="en-US" smtClean="0"/>
-              <a:t>6/3/2020</a:t>
+              <a:t>6/4/2020</a:t>
             </a:fld>
             <a:endParaRPr lang="en-US"/>
           </a:p>
@@ -10888,6 +10888,36 @@
           </a:p>
         </p:txBody>
       </p:sp>
+      <p:pic>
+        <p:nvPicPr>
+          <p:cNvPr id="2" name="Picture 1">
+            <a:extLst>
+              <a:ext uri="{FF2B5EF4-FFF2-40B4-BE49-F238E27FC236}">
+                <a16:creationId xmlns:a16="http://schemas.microsoft.com/office/drawing/2014/main" id="{69B5EBE5-AA66-46B2-BA44-46E3F13D4454}"/>
+              </a:ext>
+            </a:extLst>
+          </p:cNvPr>
+          <p:cNvPicPr>
+            <a:picLocks noChangeAspect="1"/>
+          </p:cNvPicPr>
+          <p:nvPr/>
+        </p:nvPicPr>
+        <p:blipFill>
+          <a:blip r:embed="rId2"/>
+          <a:stretch>
+            <a:fillRect/>
+          </a:stretch>
+        </p:blipFill>
+        <p:spPr>
+          <a:xfrm>
+            <a:off x="6578352" y="3700324"/>
+            <a:ext cx="5613647" cy="3157676"/>
+          </a:xfrm>
+          <a:prstGeom prst="rect">
+            <a:avLst/>
+          </a:prstGeom>
+        </p:spPr>
+      </p:pic>
       <p:sp>
         <p:nvSpPr>
           <p:cNvPr id="4" name="Text Placeholder 3">
@@ -10906,17 +10936,16 @@
         </p:nvSpPr>
         <p:spPr>
           <a:xfrm>
-            <a:off x="1154955" y="2485748"/>
-            <a:ext cx="10208462" cy="3152033"/>
+            <a:off x="1154955" y="2095130"/>
+            <a:ext cx="5423397" cy="4003829"/>
           </a:xfrm>
         </p:spPr>
         <p:txBody>
           <a:bodyPr>
-            <a:normAutofit fontScale="92500" lnSpcReduction="20000"/>
+            <a:normAutofit/>
           </a:bodyPr>
           <a:lstStyle/>
           <a:p>
-            <a:pPr algn="ctr"/>
             <a:r>
               <a:rPr lang="en-US" sz="5400" cap="none" dirty="0">
                 <a:ln w="0"/>
@@ -10931,10 +10960,24 @@
                   </a:outerShdw>
                 </a:effectLst>
               </a:rPr>
-              <a:t>Contact : 8800912721</a:t>
-            </a:r>
-          </a:p>
-          <a:p>
+              <a:t> </a:t>
+            </a:r>
+            <a:r>
+              <a:rPr lang="en-US" sz="5400" cap="none" dirty="0" err="1">
+                <a:ln w="0"/>
+                <a:solidFill>
+                  <a:schemeClr val="tx1"/>
+                </a:solidFill>
+                <a:effectLst>
+                  <a:outerShdw blurRad="38100" dist="19050" dir="2700000" algn="tl" rotWithShape="0">
+                    <a:schemeClr val="dk1">
+                      <a:alpha val="40000"/>
+                    </a:schemeClr>
+                  </a:outerShdw>
+                </a:effectLst>
+              </a:rPr>
+              <a:t>whatsapp</a:t>
+            </a:r>
             <a:r>
               <a:rPr lang="en-US" sz="5400" cap="none" dirty="0">
                 <a:ln w="0"/>
@@ -10949,12 +10992,13 @@
                   </a:outerShdw>
                 </a:effectLst>
               </a:rPr>
-              <a:t>ppt available at : </a:t>
-            </a:r>
-          </a:p>
-          <a:p>
-            <a:r>
-              <a:rPr lang="en-US" sz="5400" cap="none" dirty="0">
+              <a:t> :</a:t>
+            </a:r>
+          </a:p>
+          <a:p>
+            <a:pPr algn="ctr"/>
+            <a:r>
+              <a:rPr lang="en-US" sz="7200" cap="none" dirty="0">
                 <a:ln w="0"/>
                 <a:solidFill>
                   <a:schemeClr val="tx1"/>
@@ -10966,10 +11010,45 @@
                     </a:schemeClr>
                   </a:outerShdw>
                 </a:effectLst>
-                <a:hlinkClick r:id="rId2"/>
               </a:rPr>
-              <a:t>https://github.com/sanchitamishra170676/javabasics</a:t>
-            </a:r>
+              <a:t>8800912721</a:t>
+            </a:r>
+          </a:p>
+          <a:p>
+            <a:r>
+              <a:rPr lang="en-US" sz="4000" cap="none" dirty="0">
+                <a:ln w="0"/>
+                <a:solidFill>
+                  <a:schemeClr val="tx1"/>
+                </a:solidFill>
+                <a:effectLst>
+                  <a:outerShdw blurRad="38100" dist="19050" dir="2700000" algn="tl" rotWithShape="0">
+                    <a:schemeClr val="dk1">
+                      <a:alpha val="40000"/>
+                    </a:schemeClr>
+                  </a:outerShdw>
+                </a:effectLst>
+              </a:rPr>
+              <a:t>Mail : </a:t>
+            </a:r>
+            <a:r>
+              <a:rPr lang="en-US" sz="2400" cap="none" dirty="0">
+                <a:ln w="0"/>
+                <a:solidFill>
+                  <a:schemeClr val="tx1"/>
+                </a:solidFill>
+                <a:effectLst>
+                  <a:outerShdw blurRad="38100" dist="19050" dir="2700000" algn="tl" rotWithShape="0">
+                    <a:schemeClr val="dk1">
+                      <a:alpha val="40000"/>
+                    </a:schemeClr>
+                  </a:outerShdw>
+                </a:effectLst>
+              </a:rPr>
+              <a:t>sanchitamishra170676@gmail.com</a:t>
+            </a:r>
+          </a:p>
+          <a:p>
             <a:endParaRPr lang="en-US" sz="5400" cap="none" dirty="0">
               <a:ln w="0"/>
               <a:solidFill>
@@ -10984,13 +11063,54 @@
               </a:effectLst>
             </a:endParaRPr>
           </a:p>
-          <a:p>
-            <a:r>
-              <a:rPr lang="en-US" cap="none" dirty="0">
+        </p:txBody>
+      </p:sp>
+      <p:sp>
+        <p:nvSpPr>
+          <p:cNvPr id="5" name="TextBox 4">
+            <a:extLst>
+              <a:ext uri="{FF2B5EF4-FFF2-40B4-BE49-F238E27FC236}">
+                <a16:creationId xmlns:a16="http://schemas.microsoft.com/office/drawing/2014/main" id="{71B5850D-6D87-4FA4-AF2A-C354ED0DC5B8}"/>
+              </a:ext>
+            </a:extLst>
+          </p:cNvPr>
+          <p:cNvSpPr txBox="1"/>
+          <p:nvPr/>
+        </p:nvSpPr>
+        <p:spPr>
+          <a:xfrm>
+            <a:off x="6578352" y="2020003"/>
+            <a:ext cx="5423397" cy="1477328"/>
+          </a:xfrm>
+          <a:prstGeom prst="rect">
+            <a:avLst/>
+          </a:prstGeom>
+          <a:noFill/>
+        </p:spPr>
+        <p:txBody>
+          <a:bodyPr wrap="square" rtlCol="0">
+            <a:spAutoFit/>
+          </a:bodyPr>
+          <a:lstStyle/>
+          <a:p>
+            <a:r>
+              <a:rPr lang="en-US" dirty="0">
                 <a:ln w="0"/>
-                <a:solidFill>
-                  <a:schemeClr val="tx1"/>
-                </a:solidFill>
+                <a:effectLst>
+                  <a:outerShdw blurRad="38100" dist="19050" dir="2700000" algn="tl" rotWithShape="0">
+                    <a:schemeClr val="dk1">
+                      <a:alpha val="40000"/>
+                    </a:schemeClr>
+                  </a:outerShdw>
+                </a:effectLst>
+              </a:rPr>
+              <a:t>ppt available at : </a:t>
+            </a:r>
+          </a:p>
+          <a:p>
+            <a:r>
+              <a:rPr lang="en-US" dirty="0">
+                <a:ln w="0"/>
                 <a:effectLst>
                   <a:outerShdw blurRad="38100" dist="19050" dir="2700000" algn="tl" rotWithShape="0">
                     <a:schemeClr val="dk1">
@@ -11000,14 +11120,37 @@
                 </a:effectLst>
                 <a:hlinkClick r:id="rId3"/>
               </a:rPr>
+              <a:t>https://github.com/sanchitamishra170676/javabasics</a:t>
+            </a:r>
+            <a:endParaRPr lang="en-US" dirty="0">
+              <a:ln w="0"/>
+              <a:effectLst>
+                <a:outerShdw blurRad="38100" dist="19050" dir="2700000" algn="tl" rotWithShape="0">
+                  <a:schemeClr val="dk1">
+                    <a:alpha val="40000"/>
+                  </a:schemeClr>
+                </a:outerShdw>
+              </a:effectLst>
+            </a:endParaRPr>
+          </a:p>
+          <a:p>
+            <a:r>
+              <a:rPr lang="en-US" dirty="0">
+                <a:ln w="0"/>
+                <a:effectLst>
+                  <a:outerShdw blurRad="38100" dist="19050" dir="2700000" algn="tl" rotWithShape="0">
+                    <a:schemeClr val="dk1">
+                      <a:alpha val="40000"/>
+                    </a:schemeClr>
+                  </a:outerShdw>
+                </a:effectLst>
+                <a:hlinkClick r:id="rId4"/>
+              </a:rPr>
               <a:t>sanchitamishra170676</a:t>
             </a:r>
             <a:r>
-              <a:rPr lang="en-US" cap="none" dirty="0">
+              <a:rPr lang="en-US" dirty="0">
                 <a:ln w="0"/>
-                <a:solidFill>
-                  <a:schemeClr val="tx1"/>
-                </a:solidFill>
                 <a:effectLst>
                   <a:outerShdw blurRad="38100" dist="19050" dir="2700000" algn="tl" rotWithShape="0">
                     <a:schemeClr val="dk1">
@@ -11019,11 +11162,8 @@
               <a:t>/</a:t>
             </a:r>
             <a:r>
-              <a:rPr lang="en-US" u="sng" cap="none" dirty="0" err="1">
+              <a:rPr lang="en-US" u="sng" dirty="0" err="1">
                 <a:ln w="0"/>
-                <a:solidFill>
-                  <a:schemeClr val="tx1"/>
-                </a:solidFill>
                 <a:effectLst>
                   <a:outerShdw blurRad="38100" dist="19050" dir="2700000" algn="tl" rotWithShape="0">
                     <a:schemeClr val="dk1">
@@ -11031,15 +11171,12 @@
                     </a:schemeClr>
                   </a:outerShdw>
                 </a:effectLst>
-                <a:hlinkClick r:id="rId4"/>
+                <a:hlinkClick r:id="rId5"/>
               </a:rPr>
               <a:t>javabasics</a:t>
             </a:r>
-            <a:endParaRPr lang="en-US" cap="none" dirty="0">
+            <a:endParaRPr lang="en-US" dirty="0">
               <a:ln w="0"/>
-              <a:solidFill>
-                <a:schemeClr val="tx1"/>
-              </a:solidFill>
               <a:effectLst>
                 <a:outerShdw blurRad="38100" dist="19050" dir="2700000" algn="tl" rotWithShape="0">
                   <a:schemeClr val="dk1">
@@ -11050,19 +11187,7 @@
             </a:endParaRPr>
           </a:p>
           <a:p>
-            <a:endParaRPr lang="en-US" sz="5400" cap="none" dirty="0">
-              <a:ln w="0"/>
-              <a:solidFill>
-                <a:schemeClr val="tx1"/>
-              </a:solidFill>
-              <a:effectLst>
-                <a:outerShdw blurRad="38100" dist="19050" dir="2700000" algn="tl" rotWithShape="0">
-                  <a:schemeClr val="dk1">
-                    <a:alpha val="40000"/>
-                  </a:schemeClr>
-                </a:outerShdw>
-              </a:effectLst>
-            </a:endParaRPr>
+            <a:endParaRPr lang="en-US" dirty="0"/>
           </a:p>
         </p:txBody>
       </p:sp>

--- a/Webinar.pptx
+++ b/Webinar.pptx
@@ -314,7 +314,7 @@
           <a:p>
             <a:fld id="{79E1C1AB-56A0-45EF-B181-CDDA2DAEED7E}" type="datetimeFigureOut">
               <a:rPr lang="en-US" smtClean="0"/>
-              <a:t>6/4/2020</a:t>
+              <a:t>6/6/2020</a:t>
             </a:fld>
             <a:endParaRPr lang="en-US"/>
           </a:p>
@@ -589,7 +589,7 @@
           <a:p>
             <a:fld id="{79E1C1AB-56A0-45EF-B181-CDDA2DAEED7E}" type="datetimeFigureOut">
               <a:rPr lang="en-US" smtClean="0"/>
-              <a:t>6/4/2020</a:t>
+              <a:t>6/6/2020</a:t>
             </a:fld>
             <a:endParaRPr lang="en-US"/>
           </a:p>
@@ -783,7 +783,7 @@
           <a:p>
             <a:fld id="{79E1C1AB-56A0-45EF-B181-CDDA2DAEED7E}" type="datetimeFigureOut">
               <a:rPr lang="en-US" smtClean="0"/>
-              <a:t>6/4/2020</a:t>
+              <a:t>6/6/2020</a:t>
             </a:fld>
             <a:endParaRPr lang="en-US"/>
           </a:p>
@@ -1051,7 +1051,7 @@
           <a:p>
             <a:fld id="{79E1C1AB-56A0-45EF-B181-CDDA2DAEED7E}" type="datetimeFigureOut">
               <a:rPr lang="en-US" smtClean="0"/>
-              <a:t>6/4/2020</a:t>
+              <a:t>6/6/2020</a:t>
             </a:fld>
             <a:endParaRPr lang="en-US"/>
           </a:p>
@@ -1383,7 +1383,7 @@
           <a:p>
             <a:fld id="{79E1C1AB-56A0-45EF-B181-CDDA2DAEED7E}" type="datetimeFigureOut">
               <a:rPr lang="en-US" smtClean="0"/>
-              <a:t>6/4/2020</a:t>
+              <a:t>6/6/2020</a:t>
             </a:fld>
             <a:endParaRPr lang="en-US"/>
           </a:p>
@@ -1993,7 +1993,7 @@
           <a:p>
             <a:fld id="{79E1C1AB-56A0-45EF-B181-CDDA2DAEED7E}" type="datetimeFigureOut">
               <a:rPr lang="en-US" smtClean="0"/>
-              <a:t>6/4/2020</a:t>
+              <a:t>6/6/2020</a:t>
             </a:fld>
             <a:endParaRPr lang="en-US"/>
           </a:p>
@@ -2840,7 +2840,7 @@
           <a:p>
             <a:fld id="{79E1C1AB-56A0-45EF-B181-CDDA2DAEED7E}" type="datetimeFigureOut">
               <a:rPr lang="en-US" smtClean="0"/>
-              <a:t>6/4/2020</a:t>
+              <a:t>6/6/2020</a:t>
             </a:fld>
             <a:endParaRPr lang="en-US"/>
           </a:p>
@@ -3010,7 +3010,7 @@
           <a:p>
             <a:fld id="{79E1C1AB-56A0-45EF-B181-CDDA2DAEED7E}" type="datetimeFigureOut">
               <a:rPr lang="en-US" smtClean="0"/>
-              <a:t>6/4/2020</a:t>
+              <a:t>6/6/2020</a:t>
             </a:fld>
             <a:endParaRPr lang="en-US"/>
           </a:p>
@@ -3190,7 +3190,7 @@
           <a:p>
             <a:fld id="{79E1C1AB-56A0-45EF-B181-CDDA2DAEED7E}" type="datetimeFigureOut">
               <a:rPr lang="en-US" smtClean="0"/>
-              <a:t>6/4/2020</a:t>
+              <a:t>6/6/2020</a:t>
             </a:fld>
             <a:endParaRPr lang="en-US"/>
           </a:p>
@@ -3360,7 +3360,7 @@
           <a:p>
             <a:fld id="{79E1C1AB-56A0-45EF-B181-CDDA2DAEED7E}" type="datetimeFigureOut">
               <a:rPr lang="en-US" smtClean="0"/>
-              <a:t>6/4/2020</a:t>
+              <a:t>6/6/2020</a:t>
             </a:fld>
             <a:endParaRPr lang="en-US"/>
           </a:p>
@@ -3604,7 +3604,7 @@
           <a:p>
             <a:fld id="{79E1C1AB-56A0-45EF-B181-CDDA2DAEED7E}" type="datetimeFigureOut">
               <a:rPr lang="en-US" smtClean="0"/>
-              <a:t>6/4/2020</a:t>
+              <a:t>6/6/2020</a:t>
             </a:fld>
             <a:endParaRPr lang="en-US"/>
           </a:p>
@@ -3896,7 +3896,7 @@
           <a:p>
             <a:fld id="{79E1C1AB-56A0-45EF-B181-CDDA2DAEED7E}" type="datetimeFigureOut">
               <a:rPr lang="en-US" smtClean="0"/>
-              <a:t>6/4/2020</a:t>
+              <a:t>6/6/2020</a:t>
             </a:fld>
             <a:endParaRPr lang="en-US"/>
           </a:p>
@@ -4334,7 +4334,7 @@
           <a:p>
             <a:fld id="{79E1C1AB-56A0-45EF-B181-CDDA2DAEED7E}" type="datetimeFigureOut">
               <a:rPr lang="en-US" smtClean="0"/>
-              <a:t>6/4/2020</a:t>
+              <a:t>6/6/2020</a:t>
             </a:fld>
             <a:endParaRPr lang="en-US"/>
           </a:p>
@@ -4452,7 +4452,7 @@
           <a:p>
             <a:fld id="{79E1C1AB-56A0-45EF-B181-CDDA2DAEED7E}" type="datetimeFigureOut">
               <a:rPr lang="en-US" smtClean="0"/>
-              <a:t>6/4/2020</a:t>
+              <a:t>6/6/2020</a:t>
             </a:fld>
             <a:endParaRPr lang="en-US"/>
           </a:p>
@@ -4547,7 +4547,7 @@
           <a:p>
             <a:fld id="{79E1C1AB-56A0-45EF-B181-CDDA2DAEED7E}" type="datetimeFigureOut">
               <a:rPr lang="en-US" smtClean="0"/>
-              <a:t>6/4/2020</a:t>
+              <a:t>6/6/2020</a:t>
             </a:fld>
             <a:endParaRPr lang="en-US"/>
           </a:p>
@@ -4826,7 +4826,7 @@
           <a:p>
             <a:fld id="{79E1C1AB-56A0-45EF-B181-CDDA2DAEED7E}" type="datetimeFigureOut">
               <a:rPr lang="en-US" smtClean="0"/>
-              <a:t>6/4/2020</a:t>
+              <a:t>6/6/2020</a:t>
             </a:fld>
             <a:endParaRPr lang="en-US"/>
           </a:p>
@@ -5101,7 +5101,7 @@
           <a:p>
             <a:fld id="{79E1C1AB-56A0-45EF-B181-CDDA2DAEED7E}" type="datetimeFigureOut">
               <a:rPr lang="en-US" smtClean="0"/>
-              <a:t>6/4/2020</a:t>
+              <a:t>6/6/2020</a:t>
             </a:fld>
             <a:endParaRPr lang="en-US"/>
           </a:p>
@@ -5530,7 +5530,7 @@
           <a:p>
             <a:fld id="{79E1C1AB-56A0-45EF-B181-CDDA2DAEED7E}" type="datetimeFigureOut">
               <a:rPr lang="en-US" smtClean="0"/>
-              <a:t>6/4/2020</a:t>
+              <a:t>6/6/2020</a:t>
             </a:fld>
             <a:endParaRPr lang="en-US"/>
           </a:p>
@@ -9546,7 +9546,7 @@
             <p:ph idx="1"/>
             <p:extLst>
               <p:ext uri="{D42A27DB-BD31-4B8C-83A1-F6EECF244321}">
-                <p14:modId xmlns:p14="http://schemas.microsoft.com/office/powerpoint/2010/main" val="83980027"/>
+                <p14:modId xmlns:p14="http://schemas.microsoft.com/office/powerpoint/2010/main" val="4051997959"/>
               </p:ext>
             </p:extLst>
           </p:nvPr>
@@ -10189,9 +10189,10 @@
                     <a:p>
                       <a:pPr algn="ctr"/>
                       <a:r>
-                        <a:rPr lang="en-US" dirty="0"/>
-                        <a:t>Final keywords</a:t>
+                        <a:rPr lang="en-US"/>
+                        <a:t>Final keyword</a:t>
                       </a:r>
+                      <a:endParaRPr lang="en-US" dirty="0"/>
                     </a:p>
                   </a:txBody>
                   <a:tcPr/>
@@ -10976,7 +10977,7 @@
                   </a:outerShdw>
                 </a:effectLst>
               </a:rPr>
-              <a:t>whatsapp</a:t>
+              <a:t>Whatsapp</a:t>
             </a:r>
             <a:r>
               <a:rPr lang="en-US" sz="5400" cap="none" dirty="0">
@@ -11047,9 +11048,7 @@
               </a:rPr>
               <a:t>sanchitamishra170676@gmail.com</a:t>
             </a:r>
-          </a:p>
-          <a:p>
-            <a:endParaRPr lang="en-US" sz="5400" cap="none" dirty="0">
+            <a:endParaRPr lang="en-US" sz="1050" cap="none" dirty="0">
               <a:ln w="0"/>
               <a:solidFill>
                 <a:schemeClr val="tx1"/>
@@ -11104,7 +11103,7 @@
                   </a:outerShdw>
                 </a:effectLst>
               </a:rPr>
-              <a:t>ppt available at : </a:t>
+              <a:t>PPT available at : </a:t>
             </a:r>
           </a:p>
           <a:p>
@@ -11188,6 +11187,65 @@
           </a:p>
           <a:p>
             <a:endParaRPr lang="en-US" dirty="0"/>
+          </a:p>
+        </p:txBody>
+      </p:sp>
+      <p:sp>
+        <p:nvSpPr>
+          <p:cNvPr id="6" name="TextBox 5">
+            <a:extLst>
+              <a:ext uri="{FF2B5EF4-FFF2-40B4-BE49-F238E27FC236}">
+                <a16:creationId xmlns:a16="http://schemas.microsoft.com/office/drawing/2014/main" id="{C99D0C1C-1E51-4B60-A266-99D7CB631A56}"/>
+              </a:ext>
+            </a:extLst>
+          </p:cNvPr>
+          <p:cNvSpPr txBox="1"/>
+          <p:nvPr/>
+        </p:nvSpPr>
+        <p:spPr>
+          <a:xfrm>
+            <a:off x="1166796" y="5584885"/>
+            <a:ext cx="5225126" cy="738664"/>
+          </a:xfrm>
+          <a:prstGeom prst="rect">
+            <a:avLst/>
+          </a:prstGeom>
+          <a:noFill/>
+        </p:spPr>
+        <p:txBody>
+          <a:bodyPr wrap="square" rtlCol="0">
+            <a:spAutoFit/>
+          </a:bodyPr>
+          <a:lstStyle/>
+          <a:p>
+            <a:r>
+              <a:rPr lang="en-US" sz="2400" b="1" dirty="0">
+                <a:ln w="0"/>
+                <a:effectLst>
+                  <a:outerShdw blurRad="38100" dist="19050" dir="2700000" algn="tl" rotWithShape="0">
+                    <a:schemeClr val="dk1">
+                      <a:alpha val="40000"/>
+                    </a:schemeClr>
+                  </a:outerShdw>
+                </a:effectLst>
+              </a:rPr>
+              <a:t>Certificate link:</a:t>
+            </a:r>
+          </a:p>
+          <a:p>
+            <a:r>
+              <a:rPr lang="en-US" i="1" dirty="0">
+                <a:ln w="0"/>
+                <a:effectLst>
+                  <a:outerShdw blurRad="38100" dist="19050" dir="2700000" algn="tl" rotWithShape="0">
+                    <a:schemeClr val="dk1">
+                      <a:alpha val="40000"/>
+                    </a:schemeClr>
+                  </a:outerShdw>
+                </a:effectLst>
+              </a:rPr>
+              <a:t>https://forms.gle/ZvXpGKU7X5GUWBag6</a:t>
+            </a:r>
           </a:p>
         </p:txBody>
       </p:sp>
